--- a/2014-SPSPHX-PowerShell-for-Office-365.pptx
+++ b/2014-SPSPHX-PowerShell-for-Office-365.pptx
@@ -7,7 +7,7 @@
     <p:sldMasterId id="2147483689" r:id="rId8"/>
   </p:sldMasterIdLst>
   <p:handoutMasterIdLst>
-    <p:handoutMasterId r:id="rId24"/>
+    <p:handoutMasterId r:id="rId23"/>
   </p:handoutMasterIdLst>
   <p:sldIdLst>
     <p:sldId id="256" r:id="rId9"/>
@@ -15,16 +15,15 @@
     <p:sldId id="259" r:id="rId11"/>
     <p:sldId id="260" r:id="rId12"/>
     <p:sldId id="261" r:id="rId13"/>
-    <p:sldId id="262" r:id="rId14"/>
-    <p:sldId id="263" r:id="rId15"/>
-    <p:sldId id="264" r:id="rId16"/>
-    <p:sldId id="265" r:id="rId17"/>
-    <p:sldId id="267" r:id="rId18"/>
-    <p:sldId id="268" r:id="rId19"/>
-    <p:sldId id="269" r:id="rId20"/>
-    <p:sldId id="270" r:id="rId21"/>
-    <p:sldId id="271" r:id="rId22"/>
-    <p:sldId id="258" r:id="rId23"/>
+    <p:sldId id="263" r:id="rId14"/>
+    <p:sldId id="264" r:id="rId15"/>
+    <p:sldId id="265" r:id="rId16"/>
+    <p:sldId id="267" r:id="rId17"/>
+    <p:sldId id="268" r:id="rId18"/>
+    <p:sldId id="269" r:id="rId19"/>
+    <p:sldId id="270" r:id="rId20"/>
+    <p:sldId id="271" r:id="rId21"/>
+    <p:sldId id="258" r:id="rId22"/>
   </p:sldIdLst>
   <p:sldSz cx="12192000" cy="6858000"/>
   <p:notesSz cx="6858000" cy="9144000"/>
@@ -127,6 +126,9 @@
     <p:ext uri="{EFAFB233-063F-42B5-8137-9DF3F51BA10A}">
       <p15:sldGuideLst xmlns:p15="http://schemas.microsoft.com/office/powerpoint/2012/main"/>
     </p:ext>
+    <p:ext uri="{2D200454-40CA-4A62-9FC3-DE9A4176ACB9}">
+      <p15:notesGuideLst xmlns:p15="http://schemas.microsoft.com/office/powerpoint/2012/main"/>
+    </p:ext>
   </p:extLst>
 </p:presentation>
 </file>
@@ -4864,11 +4866,11 @@
   <p:clrMapOvr>
     <a:masterClrMapping/>
   </p:clrMapOvr>
-  <mc:AlternateContent xmlns:mc="http://schemas.openxmlformats.org/markup-compatibility/2006">
-    <mc:Choice xmlns:p14="http://schemas.microsoft.com/office/powerpoint/2010/main" Requires="p14">
+  <mc:AlternateContent xmlns:mc="http://schemas.openxmlformats.org/markup-compatibility/2006" xmlns:p14="http://schemas.microsoft.com/office/powerpoint/2010/main">
+    <mc:Choice Requires="p14">
       <p:transition p14:dur="0"/>
     </mc:Choice>
-    <mc:Fallback>
+    <mc:Fallback xmlns="">
       <p:transition/>
     </mc:Fallback>
   </mc:AlternateContent>
@@ -5421,11 +5423,11 @@
   <p:clrMapOvr>
     <a:masterClrMapping/>
   </p:clrMapOvr>
-  <mc:AlternateContent xmlns:mc="http://schemas.openxmlformats.org/markup-compatibility/2006">
-    <mc:Choice xmlns:p14="http://schemas.microsoft.com/office/powerpoint/2010/main" Requires="p14">
+  <mc:AlternateContent xmlns:mc="http://schemas.openxmlformats.org/markup-compatibility/2006" xmlns:p14="http://schemas.microsoft.com/office/powerpoint/2010/main">
+    <mc:Choice Requires="p14">
       <p:transition p14:dur="0"/>
     </mc:Choice>
-    <mc:Fallback>
+    <mc:Fallback xmlns="">
       <p:transition/>
     </mc:Fallback>
   </mc:AlternateContent>
@@ -5797,7 +5799,7 @@
               </a14:hiddenLine>
             </a:ext>
             <a:ext uri="{FAA26D3D-D897-4be2-8F04-BA451C77F1D7}">
-              <ma14:placeholderFlag xmlns="" xmlns:ma14="http://schemas.microsoft.com/office/mac/drawingml/2011/main" val="1"/>
+              <ma14:placeholderFlag xmlns:ma14="http://schemas.microsoft.com/office/mac/drawingml/2011/main" xmlns="" val="1"/>
             </a:ext>
           </a:extLst>
         </p:spPr>
@@ -6103,11 +6105,11 @@
   <p:clrMapOvr>
     <a:masterClrMapping/>
   </p:clrMapOvr>
-  <mc:AlternateContent xmlns:mc="http://schemas.openxmlformats.org/markup-compatibility/2006">
-    <mc:Choice xmlns:p14="http://schemas.microsoft.com/office/powerpoint/2010/main" Requires="p14">
+  <mc:AlternateContent xmlns:mc="http://schemas.openxmlformats.org/markup-compatibility/2006" xmlns:p14="http://schemas.microsoft.com/office/powerpoint/2010/main">
+    <mc:Choice Requires="p14">
       <p:transition p14:dur="0"/>
     </mc:Choice>
-    <mc:Fallback>
+    <mc:Fallback xmlns="">
       <p:transition/>
     </mc:Fallback>
   </mc:AlternateContent>
@@ -6641,11 +6643,11 @@
   <p:clrMapOvr>
     <a:masterClrMapping/>
   </p:clrMapOvr>
-  <mc:AlternateContent xmlns:mc="http://schemas.openxmlformats.org/markup-compatibility/2006">
-    <mc:Choice xmlns:p14="http://schemas.microsoft.com/office/powerpoint/2010/main" Requires="p14">
+  <mc:AlternateContent xmlns:mc="http://schemas.openxmlformats.org/markup-compatibility/2006" xmlns:p14="http://schemas.microsoft.com/office/powerpoint/2010/main">
+    <mc:Choice Requires="p14">
       <p:transition p14:dur="0"/>
     </mc:Choice>
-    <mc:Fallback>
+    <mc:Fallback xmlns="">
       <p:transition/>
     </mc:Fallback>
   </mc:AlternateContent>
@@ -7122,11 +7124,11 @@
   <p:clrMapOvr>
     <a:masterClrMapping/>
   </p:clrMapOvr>
-  <mc:AlternateContent xmlns:mc="http://schemas.openxmlformats.org/markup-compatibility/2006">
-    <mc:Choice xmlns:p14="http://schemas.microsoft.com/office/powerpoint/2010/main" Requires="p14">
+  <mc:AlternateContent xmlns:mc="http://schemas.openxmlformats.org/markup-compatibility/2006" xmlns:p14="http://schemas.microsoft.com/office/powerpoint/2010/main">
+    <mc:Choice Requires="p14">
       <p:transition p14:dur="0"/>
     </mc:Choice>
-    <mc:Fallback>
+    <mc:Fallback xmlns="">
       <p:transition/>
     </mc:Fallback>
   </mc:AlternateContent>
@@ -7546,11 +7548,11 @@
   <p:clrMapOvr>
     <a:masterClrMapping/>
   </p:clrMapOvr>
-  <mc:AlternateContent xmlns:mc="http://schemas.openxmlformats.org/markup-compatibility/2006">
-    <mc:Choice xmlns:p14="http://schemas.microsoft.com/office/powerpoint/2010/main" Requires="p14">
+  <mc:AlternateContent xmlns:mc="http://schemas.openxmlformats.org/markup-compatibility/2006" xmlns:p14="http://schemas.microsoft.com/office/powerpoint/2010/main">
+    <mc:Choice Requires="p14">
       <p:transition p14:dur="0"/>
     </mc:Choice>
-    <mc:Fallback>
+    <mc:Fallback xmlns="">
       <p:transition/>
     </mc:Fallback>
   </mc:AlternateContent>
@@ -7970,11 +7972,11 @@
   <p:clrMapOvr>
     <a:masterClrMapping/>
   </p:clrMapOvr>
-  <mc:AlternateContent xmlns:mc="http://schemas.openxmlformats.org/markup-compatibility/2006">
-    <mc:Choice xmlns:p14="http://schemas.microsoft.com/office/powerpoint/2010/main" Requires="p14">
+  <mc:AlternateContent xmlns:mc="http://schemas.openxmlformats.org/markup-compatibility/2006" xmlns:p14="http://schemas.microsoft.com/office/powerpoint/2010/main">
+    <mc:Choice Requires="p14">
       <p:transition p14:dur="0"/>
     </mc:Choice>
-    <mc:Fallback>
+    <mc:Fallback xmlns="">
       <p:transition/>
     </mc:Fallback>
   </mc:AlternateContent>
@@ -8394,11 +8396,11 @@
   <p:clrMapOvr>
     <a:masterClrMapping/>
   </p:clrMapOvr>
-  <mc:AlternateContent xmlns:mc="http://schemas.openxmlformats.org/markup-compatibility/2006">
-    <mc:Choice xmlns:p14="http://schemas.microsoft.com/office/powerpoint/2010/main" Requires="p14">
+  <mc:AlternateContent xmlns:mc="http://schemas.openxmlformats.org/markup-compatibility/2006" xmlns:p14="http://schemas.microsoft.com/office/powerpoint/2010/main">
+    <mc:Choice Requires="p14">
       <p:transition p14:dur="0"/>
     </mc:Choice>
-    <mc:Fallback>
+    <mc:Fallback xmlns="">
       <p:transition/>
     </mc:Fallback>
   </mc:AlternateContent>
@@ -8818,11 +8820,11 @@
   <p:clrMapOvr>
     <a:masterClrMapping/>
   </p:clrMapOvr>
-  <mc:AlternateContent xmlns:mc="http://schemas.openxmlformats.org/markup-compatibility/2006">
-    <mc:Choice xmlns:p14="http://schemas.microsoft.com/office/powerpoint/2010/main" Requires="p14">
+  <mc:AlternateContent xmlns:mc="http://schemas.openxmlformats.org/markup-compatibility/2006" xmlns:p14="http://schemas.microsoft.com/office/powerpoint/2010/main">
+    <mc:Choice Requires="p14">
       <p:transition p14:dur="0"/>
     </mc:Choice>
-    <mc:Fallback>
+    <mc:Fallback xmlns="">
       <p:transition/>
     </mc:Fallback>
   </mc:AlternateContent>
@@ -9236,11 +9238,11 @@
   <p:clrMapOvr>
     <a:masterClrMapping/>
   </p:clrMapOvr>
-  <mc:AlternateContent xmlns:mc="http://schemas.openxmlformats.org/markup-compatibility/2006">
-    <mc:Choice xmlns:p14="http://schemas.microsoft.com/office/powerpoint/2010/main" Requires="p14">
+  <mc:AlternateContent xmlns:mc="http://schemas.openxmlformats.org/markup-compatibility/2006" xmlns:p14="http://schemas.microsoft.com/office/powerpoint/2010/main">
+    <mc:Choice Requires="p14">
       <p:transition p14:dur="0"/>
     </mc:Choice>
-    <mc:Fallback>
+    <mc:Fallback xmlns="">
       <p:transition/>
     </mc:Fallback>
   </mc:AlternateContent>
@@ -9922,11 +9924,11 @@
   <p:clrMapOvr>
     <a:masterClrMapping/>
   </p:clrMapOvr>
-  <mc:AlternateContent xmlns:mc="http://schemas.openxmlformats.org/markup-compatibility/2006">
-    <mc:Choice xmlns:p14="http://schemas.microsoft.com/office/powerpoint/2010/main" Requires="p14">
+  <mc:AlternateContent xmlns:mc="http://schemas.openxmlformats.org/markup-compatibility/2006" xmlns:p14="http://schemas.microsoft.com/office/powerpoint/2010/main">
+    <mc:Choice Requires="p14">
       <p:transition p14:dur="0"/>
     </mc:Choice>
-    <mc:Fallback>
+    <mc:Fallback xmlns="">
       <p:transition/>
     </mc:Fallback>
   </mc:AlternateContent>
@@ -10113,11 +10115,11 @@
   <p:clrMapOvr>
     <a:masterClrMapping/>
   </p:clrMapOvr>
-  <mc:AlternateContent xmlns:mc="http://schemas.openxmlformats.org/markup-compatibility/2006">
-    <mc:Choice xmlns:p14="http://schemas.microsoft.com/office/powerpoint/2010/main" Requires="p14">
+  <mc:AlternateContent xmlns:mc="http://schemas.openxmlformats.org/markup-compatibility/2006" xmlns:p14="http://schemas.microsoft.com/office/powerpoint/2010/main">
+    <mc:Choice Requires="p14">
       <p:transition p14:dur="0"/>
     </mc:Choice>
-    <mc:Fallback>
+    <mc:Fallback xmlns="">
       <p:transition/>
     </mc:Fallback>
   </mc:AlternateContent>
@@ -10418,11 +10420,11 @@
   <p:clrMapOvr>
     <a:masterClrMapping/>
   </p:clrMapOvr>
-  <mc:AlternateContent xmlns:mc="http://schemas.openxmlformats.org/markup-compatibility/2006">
-    <mc:Choice xmlns:p14="http://schemas.microsoft.com/office/powerpoint/2010/main" Requires="p14">
+  <mc:AlternateContent xmlns:mc="http://schemas.openxmlformats.org/markup-compatibility/2006" xmlns:p14="http://schemas.microsoft.com/office/powerpoint/2010/main">
+    <mc:Choice Requires="p14">
       <p:transition p14:dur="0"/>
     </mc:Choice>
-    <mc:Fallback>
+    <mc:Fallback xmlns="">
       <p:transition/>
     </mc:Fallback>
   </mc:AlternateContent>
@@ -10479,11 +10481,11 @@
   <p:clrMapOvr>
     <a:masterClrMapping/>
   </p:clrMapOvr>
-  <mc:AlternateContent xmlns:mc="http://schemas.openxmlformats.org/markup-compatibility/2006">
-    <mc:Choice xmlns:p14="http://schemas.microsoft.com/office/powerpoint/2010/main" Requires="p14">
+  <mc:AlternateContent xmlns:mc="http://schemas.openxmlformats.org/markup-compatibility/2006" xmlns:p14="http://schemas.microsoft.com/office/powerpoint/2010/main">
+    <mc:Choice Requires="p14">
       <p:transition p14:dur="0"/>
     </mc:Choice>
-    <mc:Fallback>
+    <mc:Fallback xmlns="">
       <p:transition/>
     </mc:Fallback>
   </mc:AlternateContent>
@@ -10586,11 +10588,11 @@
   <p:clrMapOvr>
     <a:masterClrMapping/>
   </p:clrMapOvr>
-  <mc:AlternateContent xmlns:mc="http://schemas.openxmlformats.org/markup-compatibility/2006">
-    <mc:Choice xmlns:p14="http://schemas.microsoft.com/office/powerpoint/2010/main" Requires="p14">
+  <mc:AlternateContent xmlns:mc="http://schemas.openxmlformats.org/markup-compatibility/2006" xmlns:p14="http://schemas.microsoft.com/office/powerpoint/2010/main">
+    <mc:Choice Requires="p14">
       <p:transition p14:dur="0"/>
     </mc:Choice>
-    <mc:Fallback>
+    <mc:Fallback xmlns="">
       <p:transition/>
     </mc:Fallback>
   </mc:AlternateContent>
@@ -11159,11 +11161,11 @@
   <p:clrMapOvr>
     <a:masterClrMapping/>
   </p:clrMapOvr>
-  <mc:AlternateContent xmlns:mc="http://schemas.openxmlformats.org/markup-compatibility/2006">
-    <mc:Choice xmlns:p14="http://schemas.microsoft.com/office/powerpoint/2010/main" Requires="p14">
+  <mc:AlternateContent xmlns:mc="http://schemas.openxmlformats.org/markup-compatibility/2006" xmlns:p14="http://schemas.microsoft.com/office/powerpoint/2010/main">
+    <mc:Choice Requires="p14">
       <p:transition p14:dur="0"/>
     </mc:Choice>
-    <mc:Fallback>
+    <mc:Fallback xmlns="">
       <p:transition/>
     </mc:Fallback>
   </mc:AlternateContent>
@@ -11716,11 +11718,11 @@
   <p:clrMapOvr>
     <a:masterClrMapping/>
   </p:clrMapOvr>
-  <mc:AlternateContent xmlns:mc="http://schemas.openxmlformats.org/markup-compatibility/2006">
-    <mc:Choice xmlns:p14="http://schemas.microsoft.com/office/powerpoint/2010/main" Requires="p14">
+  <mc:AlternateContent xmlns:mc="http://schemas.openxmlformats.org/markup-compatibility/2006" xmlns:p14="http://schemas.microsoft.com/office/powerpoint/2010/main">
+    <mc:Choice Requires="p14">
       <p:transition p14:dur="0"/>
     </mc:Choice>
-    <mc:Fallback>
+    <mc:Fallback xmlns="">
       <p:transition/>
     </mc:Fallback>
   </mc:AlternateContent>
@@ -12092,7 +12094,7 @@
               </a14:hiddenLine>
             </a:ext>
             <a:ext uri="{FAA26D3D-D897-4be2-8F04-BA451C77F1D7}">
-              <ma14:placeholderFlag xmlns="" xmlns:ma14="http://schemas.microsoft.com/office/mac/drawingml/2011/main" val="1"/>
+              <ma14:placeholderFlag xmlns:ma14="http://schemas.microsoft.com/office/mac/drawingml/2011/main" xmlns="" val="1"/>
             </a:ext>
           </a:extLst>
         </p:spPr>
@@ -12398,11 +12400,11 @@
   <p:clrMapOvr>
     <a:masterClrMapping/>
   </p:clrMapOvr>
-  <mc:AlternateContent xmlns:mc="http://schemas.openxmlformats.org/markup-compatibility/2006">
-    <mc:Choice xmlns:p14="http://schemas.microsoft.com/office/powerpoint/2010/main" Requires="p14">
+  <mc:AlternateContent xmlns:mc="http://schemas.openxmlformats.org/markup-compatibility/2006" xmlns:p14="http://schemas.microsoft.com/office/powerpoint/2010/main">
+    <mc:Choice Requires="p14">
       <p:transition p14:dur="0"/>
     </mc:Choice>
-    <mc:Fallback>
+    <mc:Fallback xmlns="">
       <p:transition/>
     </mc:Fallback>
   </mc:AlternateContent>
@@ -12936,11 +12938,11 @@
   <p:clrMapOvr>
     <a:masterClrMapping/>
   </p:clrMapOvr>
-  <mc:AlternateContent xmlns:mc="http://schemas.openxmlformats.org/markup-compatibility/2006">
-    <mc:Choice xmlns:p14="http://schemas.microsoft.com/office/powerpoint/2010/main" Requires="p14">
+  <mc:AlternateContent xmlns:mc="http://schemas.openxmlformats.org/markup-compatibility/2006" xmlns:p14="http://schemas.microsoft.com/office/powerpoint/2010/main">
+    <mc:Choice Requires="p14">
       <p:transition p14:dur="0"/>
     </mc:Choice>
-    <mc:Fallback>
+    <mc:Fallback xmlns="">
       <p:transition/>
     </mc:Fallback>
   </mc:AlternateContent>
@@ -13417,11 +13419,11 @@
   <p:clrMapOvr>
     <a:masterClrMapping/>
   </p:clrMapOvr>
-  <mc:AlternateContent xmlns:mc="http://schemas.openxmlformats.org/markup-compatibility/2006">
-    <mc:Choice xmlns:p14="http://schemas.microsoft.com/office/powerpoint/2010/main" Requires="p14">
+  <mc:AlternateContent xmlns:mc="http://schemas.openxmlformats.org/markup-compatibility/2006" xmlns:p14="http://schemas.microsoft.com/office/powerpoint/2010/main">
+    <mc:Choice Requires="p14">
       <p:transition p14:dur="0"/>
     </mc:Choice>
-    <mc:Fallback>
+    <mc:Fallback xmlns="">
       <p:transition/>
     </mc:Fallback>
   </mc:AlternateContent>
@@ -14151,11 +14153,11 @@
   <p:clrMapOvr>
     <a:masterClrMapping/>
   </p:clrMapOvr>
-  <mc:AlternateContent xmlns:mc="http://schemas.openxmlformats.org/markup-compatibility/2006">
-    <mc:Choice xmlns:p14="http://schemas.microsoft.com/office/powerpoint/2010/main" Requires="p14">
+  <mc:AlternateContent xmlns:mc="http://schemas.openxmlformats.org/markup-compatibility/2006" xmlns:p14="http://schemas.microsoft.com/office/powerpoint/2010/main">
+    <mc:Choice Requires="p14">
       <p:transition p14:dur="0"/>
     </mc:Choice>
-    <mc:Fallback>
+    <mc:Fallback xmlns="">
       <p:transition/>
     </mc:Fallback>
   </mc:AlternateContent>
@@ -14575,11 +14577,11 @@
   <p:clrMapOvr>
     <a:masterClrMapping/>
   </p:clrMapOvr>
-  <mc:AlternateContent xmlns:mc="http://schemas.openxmlformats.org/markup-compatibility/2006">
-    <mc:Choice xmlns:p14="http://schemas.microsoft.com/office/powerpoint/2010/main" Requires="p14">
+  <mc:AlternateContent xmlns:mc="http://schemas.openxmlformats.org/markup-compatibility/2006" xmlns:p14="http://schemas.microsoft.com/office/powerpoint/2010/main">
+    <mc:Choice Requires="p14">
       <p:transition p14:dur="0"/>
     </mc:Choice>
-    <mc:Fallback>
+    <mc:Fallback xmlns="">
       <p:transition/>
     </mc:Fallback>
   </mc:AlternateContent>
@@ -14999,11 +15001,11 @@
   <p:clrMapOvr>
     <a:masterClrMapping/>
   </p:clrMapOvr>
-  <mc:AlternateContent xmlns:mc="http://schemas.openxmlformats.org/markup-compatibility/2006">
-    <mc:Choice xmlns:p14="http://schemas.microsoft.com/office/powerpoint/2010/main" Requires="p14">
+  <mc:AlternateContent xmlns:mc="http://schemas.openxmlformats.org/markup-compatibility/2006" xmlns:p14="http://schemas.microsoft.com/office/powerpoint/2010/main">
+    <mc:Choice Requires="p14">
       <p:transition p14:dur="0"/>
     </mc:Choice>
-    <mc:Fallback>
+    <mc:Fallback xmlns="">
       <p:transition/>
     </mc:Fallback>
   </mc:AlternateContent>
@@ -15423,11 +15425,11 @@
   <p:clrMapOvr>
     <a:masterClrMapping/>
   </p:clrMapOvr>
-  <mc:AlternateContent xmlns:mc="http://schemas.openxmlformats.org/markup-compatibility/2006">
-    <mc:Choice xmlns:p14="http://schemas.microsoft.com/office/powerpoint/2010/main" Requires="p14">
+  <mc:AlternateContent xmlns:mc="http://schemas.openxmlformats.org/markup-compatibility/2006" xmlns:p14="http://schemas.microsoft.com/office/powerpoint/2010/main">
+    <mc:Choice Requires="p14">
       <p:transition p14:dur="0"/>
     </mc:Choice>
-    <mc:Fallback>
+    <mc:Fallback xmlns="">
       <p:transition/>
     </mc:Fallback>
   </mc:AlternateContent>
@@ -15841,11 +15843,11 @@
   <p:clrMapOvr>
     <a:masterClrMapping/>
   </p:clrMapOvr>
-  <mc:AlternateContent xmlns:mc="http://schemas.openxmlformats.org/markup-compatibility/2006">
-    <mc:Choice xmlns:p14="http://schemas.microsoft.com/office/powerpoint/2010/main" Requires="p14">
+  <mc:AlternateContent xmlns:mc="http://schemas.openxmlformats.org/markup-compatibility/2006" xmlns:p14="http://schemas.microsoft.com/office/powerpoint/2010/main">
+    <mc:Choice Requires="p14">
       <p:transition p14:dur="0"/>
     </mc:Choice>
-    <mc:Fallback>
+    <mc:Fallback xmlns="">
       <p:transition/>
     </mc:Fallback>
   </mc:AlternateContent>
@@ -16265,11 +16267,11 @@
   <p:clrMapOvr>
     <a:masterClrMapping/>
   </p:clrMapOvr>
-  <mc:AlternateContent xmlns:mc="http://schemas.openxmlformats.org/markup-compatibility/2006">
-    <mc:Choice xmlns:p14="http://schemas.microsoft.com/office/powerpoint/2010/main" Requires="p14">
+  <mc:AlternateContent xmlns:mc="http://schemas.openxmlformats.org/markup-compatibility/2006" xmlns:p14="http://schemas.microsoft.com/office/powerpoint/2010/main">
+    <mc:Choice Requires="p14">
       <p:transition p14:dur="0"/>
     </mc:Choice>
-    <mc:Fallback>
+    <mc:Fallback xmlns="">
       <p:transition/>
     </mc:Fallback>
   </mc:AlternateContent>
@@ -16456,11 +16458,11 @@
   <p:clrMapOvr>
     <a:masterClrMapping/>
   </p:clrMapOvr>
-  <mc:AlternateContent xmlns:mc="http://schemas.openxmlformats.org/markup-compatibility/2006">
-    <mc:Choice xmlns:p14="http://schemas.microsoft.com/office/powerpoint/2010/main" Requires="p14">
+  <mc:AlternateContent xmlns:mc="http://schemas.openxmlformats.org/markup-compatibility/2006" xmlns:p14="http://schemas.microsoft.com/office/powerpoint/2010/main">
+    <mc:Choice Requires="p14">
       <p:transition p14:dur="0"/>
     </mc:Choice>
-    <mc:Fallback>
+    <mc:Fallback xmlns="">
       <p:transition/>
     </mc:Fallback>
   </mc:AlternateContent>
@@ -16761,11 +16763,11 @@
   <p:clrMapOvr>
     <a:masterClrMapping/>
   </p:clrMapOvr>
-  <mc:AlternateContent xmlns:mc="http://schemas.openxmlformats.org/markup-compatibility/2006">
-    <mc:Choice xmlns:p14="http://schemas.microsoft.com/office/powerpoint/2010/main" Requires="p14">
+  <mc:AlternateContent xmlns:mc="http://schemas.openxmlformats.org/markup-compatibility/2006" xmlns:p14="http://schemas.microsoft.com/office/powerpoint/2010/main">
+    <mc:Choice Requires="p14">
       <p:transition p14:dur="0"/>
     </mc:Choice>
-    <mc:Fallback>
+    <mc:Fallback xmlns="">
       <p:transition/>
     </mc:Fallback>
   </mc:AlternateContent>
@@ -16822,11 +16824,11 @@
   <p:clrMapOvr>
     <a:masterClrMapping/>
   </p:clrMapOvr>
-  <mc:AlternateContent xmlns:mc="http://schemas.openxmlformats.org/markup-compatibility/2006">
-    <mc:Choice xmlns:p14="http://schemas.microsoft.com/office/powerpoint/2010/main" Requires="p14">
+  <mc:AlternateContent xmlns:mc="http://schemas.openxmlformats.org/markup-compatibility/2006" xmlns:p14="http://schemas.microsoft.com/office/powerpoint/2010/main">
+    <mc:Choice Requires="p14">
       <p:transition p14:dur="0"/>
     </mc:Choice>
-    <mc:Fallback>
+    <mc:Fallback xmlns="">
       <p:transition/>
     </mc:Fallback>
   </mc:AlternateContent>
@@ -16929,11 +16931,11 @@
   <p:clrMapOvr>
     <a:masterClrMapping/>
   </p:clrMapOvr>
-  <mc:AlternateContent xmlns:mc="http://schemas.openxmlformats.org/markup-compatibility/2006">
-    <mc:Choice xmlns:p14="http://schemas.microsoft.com/office/powerpoint/2010/main" Requires="p14">
+  <mc:AlternateContent xmlns:mc="http://schemas.openxmlformats.org/markup-compatibility/2006" xmlns:p14="http://schemas.microsoft.com/office/powerpoint/2010/main">
+    <mc:Choice Requires="p14">
       <p:transition p14:dur="0"/>
     </mc:Choice>
-    <mc:Fallback>
+    <mc:Fallback xmlns="">
       <p:transition/>
     </mc:Fallback>
   </mc:AlternateContent>
@@ -19403,7 +19405,7 @@
               </a14:hiddenLine>
             </a:ext>
             <a:ext uri="{FAA26D3D-D897-4be2-8F04-BA451C77F1D7}">
-              <ma14:placeholderFlag xmlns="" xmlns:ma14="http://schemas.microsoft.com/office/mac/drawingml/2011/main" val="1"/>
+              <ma14:placeholderFlag xmlns:ma14="http://schemas.microsoft.com/office/mac/drawingml/2011/main" xmlns="" val="1"/>
             </a:ext>
           </a:extLst>
         </p:spPr>
@@ -19598,11 +19600,11 @@
     <p:sldLayoutId id="2147483687" r:id="rId14"/>
     <p:sldLayoutId id="2147483688" r:id="rId15"/>
   </p:sldLayoutIdLst>
-  <mc:AlternateContent xmlns:mc="http://schemas.openxmlformats.org/markup-compatibility/2006">
-    <mc:Choice xmlns:p14="http://schemas.microsoft.com/office/powerpoint/2010/main" Requires="p14">
+  <mc:AlternateContent xmlns:mc="http://schemas.openxmlformats.org/markup-compatibility/2006" xmlns:p14="http://schemas.microsoft.com/office/powerpoint/2010/main">
+    <mc:Choice Requires="p14">
       <p:transition p14:dur="0"/>
     </mc:Choice>
-    <mc:Fallback>
+    <mc:Fallback xmlns="">
       <p:transition/>
     </mc:Fallback>
   </mc:AlternateContent>
@@ -20180,7 +20182,7 @@
               </a14:hiddenLine>
             </a:ext>
             <a:ext uri="{FAA26D3D-D897-4be2-8F04-BA451C77F1D7}">
-              <ma14:placeholderFlag xmlns="" xmlns:ma14="http://schemas.microsoft.com/office/mac/drawingml/2011/main" val="1"/>
+              <ma14:placeholderFlag xmlns:ma14="http://schemas.microsoft.com/office/mac/drawingml/2011/main" xmlns="" val="1"/>
             </a:ext>
           </a:extLst>
         </p:spPr>
@@ -20375,11 +20377,11 @@
     <p:sldLayoutId id="2147483703" r:id="rId14"/>
     <p:sldLayoutId id="2147483704" r:id="rId15"/>
   </p:sldLayoutIdLst>
-  <mc:AlternateContent xmlns:mc="http://schemas.openxmlformats.org/markup-compatibility/2006">
-    <mc:Choice xmlns:p14="http://schemas.microsoft.com/office/powerpoint/2010/main" Requires="p14">
+  <mc:AlternateContent xmlns:mc="http://schemas.openxmlformats.org/markup-compatibility/2006" xmlns:p14="http://schemas.microsoft.com/office/powerpoint/2010/main">
+    <mc:Choice Requires="p14">
       <p:transition p14:dur="0"/>
     </mc:Choice>
-    <mc:Fallback>
+    <mc:Fallback xmlns="">
       <p:transition/>
     </mc:Fallback>
   </mc:AlternateContent>
@@ -20930,7 +20932,6 @@
               <a:rPr lang="en-US" dirty="0"/>
               <a:t>PowerShell for Office 365</a:t>
             </a:r>
-            <a:endParaRPr lang="en-US" dirty="0"/>
           </a:p>
         </p:txBody>
       </p:sp>
@@ -20998,26 +20999,7 @@
       </p:grpSpPr>
       <p:sp>
         <p:nvSpPr>
-          <p:cNvPr id="2" name="Text Placeholder 1"/>
-          <p:cNvSpPr>
-            <a:spLocks noGrp="1"/>
-          </p:cNvSpPr>
-          <p:nvPr>
-            <p:ph type="body" idx="10"/>
-          </p:nvPr>
-        </p:nvSpPr>
-        <p:spPr/>
-        <p:txBody>
-          <a:bodyPr/>
-          <a:lstStyle/>
-          <a:p>
-            <a:endParaRPr lang="en-US" dirty="0"/>
-          </a:p>
-        </p:txBody>
-      </p:sp>
-      <p:sp>
-        <p:nvSpPr>
-          <p:cNvPr id="3" name="Title 2"/>
+          <p:cNvPr id="2" name="Title 1"/>
           <p:cNvSpPr>
             <a:spLocks noGrp="1"/>
           </p:cNvSpPr>
@@ -21032,8 +21014,88 @@
           <a:p>
             <a:r>
               <a:rPr lang="en-US" dirty="0" smtClean="0"/>
-              <a:t>PowerShell for Office 365</a:t>
-            </a:r>
+              <a:t>Why?</a:t>
+            </a:r>
+            <a:endParaRPr lang="en-US" dirty="0"/>
+          </a:p>
+        </p:txBody>
+      </p:sp>
+      <p:sp>
+        <p:nvSpPr>
+          <p:cNvPr id="3" name="Content Placeholder 2"/>
+          <p:cNvSpPr>
+            <a:spLocks noGrp="1"/>
+          </p:cNvSpPr>
+          <p:nvPr>
+            <p:ph sz="half" idx="1"/>
+          </p:nvPr>
+        </p:nvSpPr>
+        <p:spPr/>
+        <p:txBody>
+          <a:bodyPr/>
+          <a:lstStyle/>
+          <a:p>
+            <a:r>
+              <a:rPr lang="en-US" dirty="0" smtClean="0"/>
+              <a:t>Portal Management</a:t>
+            </a:r>
+          </a:p>
+          <a:p>
+            <a:r>
+              <a:rPr lang="en-US" dirty="0" smtClean="0"/>
+              <a:t>Import Users</a:t>
+            </a:r>
+          </a:p>
+          <a:p>
+            <a:r>
+              <a:rPr lang="en-US" dirty="0" smtClean="0"/>
+              <a:t>Assign Licenses to Users</a:t>
+            </a:r>
+          </a:p>
+          <a:p>
+            <a:r>
+              <a:rPr lang="en-US" dirty="0" smtClean="0"/>
+              <a:t>View Licensed Users</a:t>
+            </a:r>
+          </a:p>
+        </p:txBody>
+      </p:sp>
+      <p:sp>
+        <p:nvSpPr>
+          <p:cNvPr id="4" name="Content Placeholder 3"/>
+          <p:cNvSpPr>
+            <a:spLocks noGrp="1"/>
+          </p:cNvSpPr>
+          <p:nvPr>
+            <p:ph sz="half" idx="10"/>
+          </p:nvPr>
+        </p:nvSpPr>
+        <p:spPr/>
+        <p:txBody>
+          <a:bodyPr/>
+          <a:lstStyle/>
+          <a:p>
+            <a:r>
+              <a:rPr lang="en-US" dirty="0" smtClean="0"/>
+              <a:t>Perform Bulk Tasks</a:t>
+            </a:r>
+          </a:p>
+          <a:p>
+            <a:r>
+              <a:rPr lang="en-US" dirty="0" smtClean="0"/>
+              <a:t>Create site collections</a:t>
+            </a:r>
+          </a:p>
+          <a:p>
+            <a:r>
+              <a:rPr lang="en-US" dirty="0" smtClean="0"/>
+              <a:t>Do things that can’t be done in the user interface</a:t>
+            </a:r>
+          </a:p>
+          <a:p>
+            <a:endParaRPr lang="en-US" dirty="0" smtClean="0"/>
+          </a:p>
+          <a:p>
             <a:endParaRPr lang="en-US" dirty="0"/>
           </a:p>
         </p:txBody>
@@ -21041,18 +21103,18 @@
     </p:spTree>
     <p:extLst>
       <p:ext uri="{BB962C8B-B14F-4D97-AF65-F5344CB8AC3E}">
-        <p14:creationId xmlns:p14="http://schemas.microsoft.com/office/powerpoint/2010/main" val="1257543582"/>
+        <p14:creationId xmlns:p14="http://schemas.microsoft.com/office/powerpoint/2010/main" val="4071696223"/>
       </p:ext>
     </p:extLst>
   </p:cSld>
   <p:clrMapOvr>
     <a:masterClrMapping/>
   </p:clrMapOvr>
-  <mc:AlternateContent xmlns:mc="http://schemas.openxmlformats.org/markup-compatibility/2006">
-    <mc:Choice xmlns:p14="http://schemas.microsoft.com/office/powerpoint/2010/main" Requires="p14">
+  <mc:AlternateContent xmlns:mc="http://schemas.openxmlformats.org/markup-compatibility/2006" xmlns:p14="http://schemas.microsoft.com/office/powerpoint/2010/main">
+    <mc:Choice Requires="p14">
       <p:transition p14:dur="0"/>
     </mc:Choice>
-    <mc:Fallback>
+    <mc:Fallback xmlns="">
       <p:transition/>
     </mc:Fallback>
   </mc:AlternateContent>
@@ -21085,7 +21147,26 @@
       </p:grpSpPr>
       <p:sp>
         <p:nvSpPr>
-          <p:cNvPr id="2" name="Title 1"/>
+          <p:cNvPr id="2" name="Text Placeholder 1"/>
+          <p:cNvSpPr>
+            <a:spLocks noGrp="1"/>
+          </p:cNvSpPr>
+          <p:nvPr>
+            <p:ph type="body" idx="10"/>
+          </p:nvPr>
+        </p:nvSpPr>
+        <p:spPr/>
+        <p:txBody>
+          <a:bodyPr/>
+          <a:lstStyle/>
+          <a:p>
+            <a:endParaRPr lang="en-US" dirty="0"/>
+          </a:p>
+        </p:txBody>
+      </p:sp>
+      <p:sp>
+        <p:nvSpPr>
+          <p:cNvPr id="3" name="Title 2"/>
           <p:cNvSpPr>
             <a:spLocks noGrp="1"/>
           </p:cNvSpPr>
@@ -21100,93 +21181,8 @@
           <a:p>
             <a:r>
               <a:rPr lang="en-US" dirty="0" smtClean="0"/>
-              <a:t>Why?</a:t>
-            </a:r>
-            <a:endParaRPr lang="en-US" dirty="0"/>
-          </a:p>
-        </p:txBody>
-      </p:sp>
-      <p:sp>
-        <p:nvSpPr>
-          <p:cNvPr id="3" name="Content Placeholder 2"/>
-          <p:cNvSpPr>
-            <a:spLocks noGrp="1"/>
-          </p:cNvSpPr>
-          <p:nvPr>
-            <p:ph sz="half" idx="1"/>
-          </p:nvPr>
-        </p:nvSpPr>
-        <p:spPr/>
-        <p:txBody>
-          <a:bodyPr/>
-          <a:lstStyle/>
-          <a:p>
-            <a:r>
-              <a:rPr lang="en-US" dirty="0" smtClean="0"/>
-              <a:t>Portal Management</a:t>
-            </a:r>
-          </a:p>
-          <a:p>
-            <a:r>
-              <a:rPr lang="en-US" dirty="0" smtClean="0"/>
-              <a:t>Import Users</a:t>
-            </a:r>
-          </a:p>
-          <a:p>
-            <a:r>
-              <a:rPr lang="en-US" dirty="0" smtClean="0"/>
-              <a:t>Assign Licenses to Users</a:t>
-            </a:r>
-          </a:p>
-          <a:p>
-            <a:r>
-              <a:rPr lang="en-US" dirty="0" smtClean="0"/>
-              <a:t>View Licensed Users</a:t>
-            </a:r>
-          </a:p>
-        </p:txBody>
-      </p:sp>
-      <p:sp>
-        <p:nvSpPr>
-          <p:cNvPr id="4" name="Content Placeholder 3"/>
-          <p:cNvSpPr>
-            <a:spLocks noGrp="1"/>
-          </p:cNvSpPr>
-          <p:nvPr>
-            <p:ph sz="half" idx="10"/>
-          </p:nvPr>
-        </p:nvSpPr>
-        <p:spPr/>
-        <p:txBody>
-          <a:bodyPr/>
-          <a:lstStyle/>
-          <a:p>
-            <a:r>
-              <a:rPr lang="en-US" dirty="0" smtClean="0"/>
-              <a:t>Perform Bulk Tasks</a:t>
-            </a:r>
-          </a:p>
-          <a:p>
-            <a:r>
-              <a:rPr lang="en-US" dirty="0" smtClean="0"/>
-              <a:t>Create site </a:t>
-            </a:r>
-            <a:r>
-              <a:rPr lang="en-US" dirty="0" smtClean="0"/>
-              <a:t>collections</a:t>
-            </a:r>
-          </a:p>
-          <a:p>
-            <a:r>
-              <a:rPr lang="en-US" dirty="0" smtClean="0"/>
-              <a:t>Do things that can’t be done in the user interface</a:t>
-            </a:r>
-            <a:endParaRPr lang="en-US" dirty="0" smtClean="0"/>
-          </a:p>
-          <a:p>
-            <a:endParaRPr lang="en-US" dirty="0" smtClean="0"/>
-          </a:p>
-          <a:p>
+              <a:t>Prerequisites</a:t>
+            </a:r>
             <a:endParaRPr lang="en-US" dirty="0"/>
           </a:p>
         </p:txBody>
@@ -21194,18 +21190,18 @@
     </p:spTree>
     <p:extLst>
       <p:ext uri="{BB962C8B-B14F-4D97-AF65-F5344CB8AC3E}">
-        <p14:creationId xmlns:p14="http://schemas.microsoft.com/office/powerpoint/2010/main" val="4071696223"/>
+        <p14:creationId xmlns:p14="http://schemas.microsoft.com/office/powerpoint/2010/main" val="649457804"/>
       </p:ext>
     </p:extLst>
   </p:cSld>
   <p:clrMapOvr>
     <a:masterClrMapping/>
   </p:clrMapOvr>
-  <mc:AlternateContent xmlns:mc="http://schemas.openxmlformats.org/markup-compatibility/2006">
-    <mc:Choice xmlns:p14="http://schemas.microsoft.com/office/powerpoint/2010/main" Requires="p14">
+  <mc:AlternateContent xmlns:mc="http://schemas.openxmlformats.org/markup-compatibility/2006" xmlns:p14="http://schemas.microsoft.com/office/powerpoint/2010/main">
+    <mc:Choice Requires="p14">
       <p:transition p14:dur="0"/>
     </mc:Choice>
-    <mc:Fallback>
+    <mc:Fallback xmlns="">
       <p:transition/>
     </mc:Fallback>
   </mc:AlternateContent>
@@ -21238,26 +21234,7 @@
       </p:grpSpPr>
       <p:sp>
         <p:nvSpPr>
-          <p:cNvPr id="2" name="Text Placeholder 1"/>
-          <p:cNvSpPr>
-            <a:spLocks noGrp="1"/>
-          </p:cNvSpPr>
-          <p:nvPr>
-            <p:ph type="body" idx="10"/>
-          </p:nvPr>
-        </p:nvSpPr>
-        <p:spPr/>
-        <p:txBody>
-          <a:bodyPr/>
-          <a:lstStyle/>
-          <a:p>
-            <a:endParaRPr lang="en-US" dirty="0"/>
-          </a:p>
-        </p:txBody>
-      </p:sp>
-      <p:sp>
-        <p:nvSpPr>
-          <p:cNvPr id="3" name="Title 2"/>
+          <p:cNvPr id="2" name="Title 1"/>
           <p:cNvSpPr>
             <a:spLocks noGrp="1"/>
           </p:cNvSpPr>
@@ -21278,21 +21255,114 @@
           </a:p>
         </p:txBody>
       </p:sp>
+      <p:sp>
+        <p:nvSpPr>
+          <p:cNvPr id="3" name="Text Placeholder 2"/>
+          <p:cNvSpPr>
+            <a:spLocks noGrp="1"/>
+          </p:cNvSpPr>
+          <p:nvPr>
+            <p:ph type="body" sz="quarter" idx="10"/>
+          </p:nvPr>
+        </p:nvSpPr>
+        <p:spPr/>
+        <p:txBody>
+          <a:bodyPr/>
+          <a:lstStyle/>
+          <a:p>
+            <a:r>
+              <a:rPr lang="en-US" dirty="0" smtClean="0"/>
+              <a:t>Global Admin - Be one! </a:t>
+            </a:r>
+          </a:p>
+          <a:p>
+            <a:r>
+              <a:rPr lang="en-US" dirty="0" smtClean="0"/>
+              <a:t>Microsoft </a:t>
+            </a:r>
+            <a:r>
+              <a:rPr lang="en-US" dirty="0"/>
+              <a:t>Online Services Sign-In </a:t>
+            </a:r>
+            <a:r>
+              <a:rPr lang="en-US" dirty="0" smtClean="0"/>
+              <a:t>Assistant</a:t>
+            </a:r>
+          </a:p>
+          <a:p>
+            <a:r>
+              <a:rPr lang="en-US" dirty="0" smtClean="0"/>
+              <a:t>Azure </a:t>
+            </a:r>
+            <a:r>
+              <a:rPr lang="en-US" dirty="0"/>
+              <a:t>Active Directory Module for Windows PowerShell (64-bit version</a:t>
+            </a:r>
+            <a:r>
+              <a:rPr lang="en-US" dirty="0" smtClean="0"/>
+              <a:t>)</a:t>
+            </a:r>
+          </a:p>
+          <a:p>
+            <a:r>
+              <a:rPr lang="en-US" dirty="0" smtClean="0"/>
+              <a:t>Connect-</a:t>
+            </a:r>
+            <a:r>
+              <a:rPr lang="en-US" dirty="0" err="1" smtClean="0"/>
+              <a:t>MsolService</a:t>
+            </a:r>
+            <a:endParaRPr lang="en-US" dirty="0" smtClean="0"/>
+          </a:p>
+          <a:p>
+            <a:r>
+              <a:rPr lang="en-US" dirty="0" smtClean="0"/>
+              <a:t>Connect-</a:t>
+            </a:r>
+            <a:r>
+              <a:rPr lang="en-US" dirty="0" err="1" smtClean="0"/>
+              <a:t>SPOService</a:t>
+            </a:r>
+            <a:endParaRPr lang="en-US" dirty="0" smtClean="0"/>
+          </a:p>
+          <a:p>
+            <a:pPr lvl="1"/>
+            <a:r>
+              <a:rPr lang="en-US" dirty="0"/>
+              <a:t>Be careful of your network settings! (</a:t>
+            </a:r>
+            <a:r>
+              <a:rPr lang="en-US" dirty="0">
+                <a:hlinkClick r:id="rId2"/>
+              </a:rPr>
+              <a:t>http://bit.ly/1AjffaQ</a:t>
+            </a:r>
+            <a:r>
+              <a:rPr lang="en-US" dirty="0"/>
+              <a:t>)</a:t>
+            </a:r>
+            <a:endParaRPr lang="en-US" dirty="0" smtClean="0"/>
+          </a:p>
+          <a:p>
+            <a:endParaRPr lang="en-US" dirty="0"/>
+          </a:p>
+        </p:txBody>
+      </p:sp>
     </p:spTree>
     <p:extLst>
       <p:ext uri="{BB962C8B-B14F-4D97-AF65-F5344CB8AC3E}">
-        <p14:creationId xmlns:p14="http://schemas.microsoft.com/office/powerpoint/2010/main" val="649457804"/>
+        <p14:creationId xmlns:p14="http://schemas.microsoft.com/office/powerpoint/2010/main" val="1667610506"/>
       </p:ext>
     </p:extLst>
   </p:cSld>
   <p:clrMapOvr>
     <a:masterClrMapping/>
   </p:clrMapOvr>
-  <mc:AlternateContent xmlns:mc="http://schemas.openxmlformats.org/markup-compatibility/2006">
-    <mc:Choice xmlns:p14="http://schemas.microsoft.com/office/powerpoint/2010/main" Requires="p14">
+  <mc:AlternateContent xmlns:mc="http://schemas.openxmlformats.org/markup-compatibility/2006" xmlns:p14="http://schemas.microsoft.com/office/powerpoint/2010/main">
+    <mc:Choice Requires="p14">
       <p:transition p14:dur="0"/>
     </mc:Choice>
-    <mc:Fallback>
+    <mc:Fallback xmlns="">
       <p:transition/>
     </mc:Fallback>
   </mc:AlternateContent>
@@ -21325,7 +21395,26 @@
       </p:grpSpPr>
       <p:sp>
         <p:nvSpPr>
-          <p:cNvPr id="2" name="Title 1"/>
+          <p:cNvPr id="2" name="Text Placeholder 1"/>
+          <p:cNvSpPr>
+            <a:spLocks noGrp="1"/>
+          </p:cNvSpPr>
+          <p:nvPr>
+            <p:ph type="body" idx="10"/>
+          </p:nvPr>
+        </p:nvSpPr>
+        <p:spPr/>
+        <p:txBody>
+          <a:bodyPr/>
+          <a:lstStyle/>
+          <a:p>
+            <a:endParaRPr lang="en-US"/>
+          </a:p>
+        </p:txBody>
+      </p:sp>
+      <p:sp>
+        <p:nvSpPr>
+          <p:cNvPr id="3" name="Title 2"/>
           <p:cNvSpPr>
             <a:spLocks noGrp="1"/>
           </p:cNvSpPr>
@@ -21340,101 +21429,8 @@
           <a:p>
             <a:r>
               <a:rPr lang="en-US" dirty="0" smtClean="0"/>
-              <a:t>Prerequisites</a:t>
-            </a:r>
-            <a:endParaRPr lang="en-US" dirty="0"/>
-          </a:p>
-        </p:txBody>
-      </p:sp>
-      <p:sp>
-        <p:nvSpPr>
-          <p:cNvPr id="3" name="Text Placeholder 2"/>
-          <p:cNvSpPr>
-            <a:spLocks noGrp="1"/>
-          </p:cNvSpPr>
-          <p:nvPr>
-            <p:ph type="body" sz="quarter" idx="10"/>
-          </p:nvPr>
-        </p:nvSpPr>
-        <p:spPr/>
-        <p:txBody>
-          <a:bodyPr/>
-          <a:lstStyle/>
-          <a:p>
-            <a:r>
-              <a:rPr lang="en-US" dirty="0" smtClean="0"/>
-              <a:t>Global Admin - Be one! </a:t>
-            </a:r>
-          </a:p>
-          <a:p>
-            <a:r>
-              <a:rPr lang="en-US" dirty="0" smtClean="0"/>
-              <a:t>Microsoft </a:t>
-            </a:r>
-            <a:r>
-              <a:rPr lang="en-US" dirty="0"/>
-              <a:t>Online Services Sign-In </a:t>
-            </a:r>
-            <a:r>
-              <a:rPr lang="en-US" dirty="0" smtClean="0"/>
-              <a:t>Assistant</a:t>
-            </a:r>
-          </a:p>
-          <a:p>
-            <a:r>
-              <a:rPr lang="en-US" dirty="0" smtClean="0"/>
-              <a:t>Azure </a:t>
-            </a:r>
-            <a:r>
-              <a:rPr lang="en-US" dirty="0"/>
-              <a:t>Active Directory Module for Windows PowerShell (64-bit version</a:t>
-            </a:r>
-            <a:r>
-              <a:rPr lang="en-US" dirty="0" smtClean="0"/>
-              <a:t>)</a:t>
-            </a:r>
-          </a:p>
-          <a:p>
-            <a:r>
-              <a:rPr lang="en-US" dirty="0" smtClean="0"/>
-              <a:t>Connect-</a:t>
-            </a:r>
-            <a:r>
-              <a:rPr lang="en-US" dirty="0" err="1" smtClean="0"/>
-              <a:t>MsolService</a:t>
-            </a:r>
-            <a:endParaRPr lang="en-US" dirty="0" smtClean="0"/>
-          </a:p>
-          <a:p>
-            <a:r>
-              <a:rPr lang="en-US" dirty="0" smtClean="0"/>
-              <a:t>Connect-</a:t>
-            </a:r>
-            <a:r>
-              <a:rPr lang="en-US" dirty="0" err="1" smtClean="0"/>
-              <a:t>SPOService</a:t>
-            </a:r>
-            <a:endParaRPr lang="en-US" dirty="0" smtClean="0"/>
-          </a:p>
-          <a:p>
-            <a:pPr lvl="1"/>
-            <a:r>
-              <a:rPr lang="en-US" dirty="0"/>
-              <a:t>Be careful of your network settings! (</a:t>
-            </a:r>
-            <a:r>
-              <a:rPr lang="en-US" dirty="0">
-                <a:hlinkClick r:id="rId2"/>
-              </a:rPr>
-              <a:t>http://bit.ly/1AjffaQ</a:t>
-            </a:r>
-            <a:r>
-              <a:rPr lang="en-US" dirty="0"/>
-              <a:t>)</a:t>
-            </a:r>
-            <a:endParaRPr lang="en-US" dirty="0" smtClean="0"/>
-          </a:p>
-          <a:p>
+              <a:t>Demo</a:t>
+            </a:r>
             <a:endParaRPr lang="en-US" dirty="0"/>
           </a:p>
         </p:txBody>
@@ -21442,18 +21438,18 @@
     </p:spTree>
     <p:extLst>
       <p:ext uri="{BB962C8B-B14F-4D97-AF65-F5344CB8AC3E}">
-        <p14:creationId xmlns:p14="http://schemas.microsoft.com/office/powerpoint/2010/main" val="1667610506"/>
+        <p14:creationId xmlns:p14="http://schemas.microsoft.com/office/powerpoint/2010/main" val="1183310244"/>
       </p:ext>
     </p:extLst>
   </p:cSld>
   <p:clrMapOvr>
     <a:masterClrMapping/>
   </p:clrMapOvr>
-  <mc:AlternateContent xmlns:mc="http://schemas.openxmlformats.org/markup-compatibility/2006">
-    <mc:Choice xmlns:p14="http://schemas.microsoft.com/office/powerpoint/2010/main" Requires="p14">
+  <mc:AlternateContent xmlns:mc="http://schemas.openxmlformats.org/markup-compatibility/2006" xmlns:p14="http://schemas.microsoft.com/office/powerpoint/2010/main">
+    <mc:Choice Requires="p14">
       <p:transition p14:dur="0"/>
     </mc:Choice>
-    <mc:Fallback>
+    <mc:Fallback xmlns="">
       <p:transition/>
     </mc:Fallback>
   </mc:AlternateContent>
@@ -21484,93 +21480,6 @@
           <a:chExt cx="0" cy="0"/>
         </a:xfrm>
       </p:grpSpPr>
-      <p:sp>
-        <p:nvSpPr>
-          <p:cNvPr id="2" name="Text Placeholder 1"/>
-          <p:cNvSpPr>
-            <a:spLocks noGrp="1"/>
-          </p:cNvSpPr>
-          <p:nvPr>
-            <p:ph type="body" idx="10"/>
-          </p:nvPr>
-        </p:nvSpPr>
-        <p:spPr/>
-        <p:txBody>
-          <a:bodyPr/>
-          <a:lstStyle/>
-          <a:p>
-            <a:endParaRPr lang="en-US"/>
-          </a:p>
-        </p:txBody>
-      </p:sp>
-      <p:sp>
-        <p:nvSpPr>
-          <p:cNvPr id="3" name="Title 2"/>
-          <p:cNvSpPr>
-            <a:spLocks noGrp="1"/>
-          </p:cNvSpPr>
-          <p:nvPr>
-            <p:ph type="title"/>
-          </p:nvPr>
-        </p:nvSpPr>
-        <p:spPr/>
-        <p:txBody>
-          <a:bodyPr/>
-          <a:lstStyle/>
-          <a:p>
-            <a:r>
-              <a:rPr lang="en-US" dirty="0" smtClean="0"/>
-              <a:t>Demo</a:t>
-            </a:r>
-            <a:endParaRPr lang="en-US" dirty="0"/>
-          </a:p>
-        </p:txBody>
-      </p:sp>
-    </p:spTree>
-    <p:extLst>
-      <p:ext uri="{BB962C8B-B14F-4D97-AF65-F5344CB8AC3E}">
-        <p14:creationId xmlns:p14="http://schemas.microsoft.com/office/powerpoint/2010/main" val="1183310244"/>
-      </p:ext>
-    </p:extLst>
-  </p:cSld>
-  <p:clrMapOvr>
-    <a:masterClrMapping/>
-  </p:clrMapOvr>
-  <mc:AlternateContent xmlns:mc="http://schemas.openxmlformats.org/markup-compatibility/2006">
-    <mc:Choice xmlns:p14="http://schemas.microsoft.com/office/powerpoint/2010/main" Requires="p14">
-      <p:transition p14:dur="0"/>
-    </mc:Choice>
-    <mc:Fallback>
-      <p:transition/>
-    </mc:Fallback>
-  </mc:AlternateContent>
-  <p:timing>
-    <p:tnLst>
-      <p:par>
-        <p:cTn id="1" dur="indefinite" restart="never" nodeType="tmRoot"/>
-      </p:par>
-    </p:tnLst>
-  </p:timing>
-</p:sld>
-</file>
-
-<file path=ppt/slides/slide15.xml><?xml version="1.0" encoding="utf-8"?>
-<p:sld xmlns:a="http://schemas.openxmlformats.org/drawingml/2006/main" xmlns:r="http://schemas.openxmlformats.org/officeDocument/2006/relationships" xmlns:p="http://schemas.openxmlformats.org/presentationml/2006/main">
-  <p:cSld>
-    <p:spTree>
-      <p:nvGrpSpPr>
-        <p:cNvPr id="1" name=""/>
-        <p:cNvGrpSpPr/>
-        <p:nvPr/>
-      </p:nvGrpSpPr>
-      <p:grpSpPr>
-        <a:xfrm>
-          <a:off x="0" y="0"/>
-          <a:ext cx="0" cy="0"/>
-          <a:chOff x="0" y="0"/>
-          <a:chExt cx="0" cy="0"/>
-        </a:xfrm>
-      </p:grpSpPr>
     </p:spTree>
     <p:extLst>
       <p:ext uri="{BB962C8B-B14F-4D97-AF65-F5344CB8AC3E}">
@@ -21581,6 +21490,13 @@
   <p:clrMapOvr>
     <a:masterClrMapping/>
   </p:clrMapOvr>
+  <p:timing>
+    <p:tnLst>
+      <p:par>
+        <p:cTn id="1" dur="indefinite" restart="never" nodeType="tmRoot"/>
+      </p:par>
+    </p:tnLst>
+  </p:timing>
 </p:sld>
 </file>
 
@@ -23252,11 +23168,11 @@
   <p:clrMapOvr>
     <a:masterClrMapping/>
   </p:clrMapOvr>
-  <mc:AlternateContent xmlns:mc="http://schemas.openxmlformats.org/markup-compatibility/2006">
-    <mc:Choice xmlns:p14="http://schemas.microsoft.com/office/powerpoint/2010/main" Requires="p14">
+  <mc:AlternateContent xmlns:mc="http://schemas.openxmlformats.org/markup-compatibility/2006" xmlns:p14="http://schemas.microsoft.com/office/powerpoint/2010/main">
+    <mc:Choice Requires="p14">
       <p:transition p14:dur="0"/>
     </mc:Choice>
-    <mc:Fallback>
+    <mc:Fallback xmlns="">
       <p:transition/>
     </mc:Fallback>
   </mc:AlternateContent>
@@ -23339,11 +23255,11 @@
   <p:clrMapOvr>
     <a:masterClrMapping/>
   </p:clrMapOvr>
-  <mc:AlternateContent xmlns:mc="http://schemas.openxmlformats.org/markup-compatibility/2006">
-    <mc:Choice xmlns:p14="http://schemas.microsoft.com/office/powerpoint/2010/main" Requires="p14">
+  <mc:AlternateContent xmlns:mc="http://schemas.openxmlformats.org/markup-compatibility/2006" xmlns:p14="http://schemas.microsoft.com/office/powerpoint/2010/main">
+    <mc:Choice Requires="p14">
       <p:transition p14:dur="0"/>
     </mc:Choice>
-    <mc:Fallback>
+    <mc:Fallback xmlns="">
       <p:transition/>
     </mc:Fallback>
   </mc:AlternateContent>
@@ -23521,11 +23437,11 @@
   <p:clrMapOvr>
     <a:masterClrMapping/>
   </p:clrMapOvr>
-  <mc:AlternateContent xmlns:mc="http://schemas.openxmlformats.org/markup-compatibility/2006">
-    <mc:Choice xmlns:p14="http://schemas.microsoft.com/office/powerpoint/2010/main" Requires="p14">
+  <mc:AlternateContent xmlns:mc="http://schemas.openxmlformats.org/markup-compatibility/2006" xmlns:p14="http://schemas.microsoft.com/office/powerpoint/2010/main">
+    <mc:Choice Requires="p14">
       <p:transition p14:dur="0"/>
     </mc:Choice>
-    <mc:Fallback>
+    <mc:Fallback xmlns="">
       <p:transition/>
     </mc:Fallback>
   </mc:AlternateContent>
@@ -23540,7 +23456,7 @@
 </file>
 
 <file path=ppt/slides/slide6.xml><?xml version="1.0" encoding="utf-8"?>
-<p:sld xmlns:a="http://schemas.openxmlformats.org/drawingml/2006/main" xmlns:r="http://schemas.openxmlformats.org/officeDocument/2006/relationships" xmlns:p="http://schemas.openxmlformats.org/presentationml/2006/main" show="0">
+<p:sld xmlns:a="http://schemas.openxmlformats.org/drawingml/2006/main" xmlns:r="http://schemas.openxmlformats.org/officeDocument/2006/relationships" xmlns:p="http://schemas.openxmlformats.org/presentationml/2006/main">
   <p:cSld>
     <p:spTree>
       <p:nvGrpSpPr>
@@ -23566,14 +23482,19 @@
             <p:ph type="title"/>
           </p:nvPr>
         </p:nvSpPr>
-        <p:spPr/>
+        <p:spPr>
+          <a:xfrm>
+            <a:off x="332571" y="339823"/>
+            <a:ext cx="11149013" cy="855917"/>
+          </a:xfrm>
+        </p:spPr>
         <p:txBody>
           <a:bodyPr/>
           <a:lstStyle/>
           <a:p>
             <a:r>
               <a:rPr lang="en-US" dirty="0" smtClean="0"/>
-              <a:t>Company Overview</a:t>
+              <a:t>Who We Are</a:t>
             </a:r>
             <a:endParaRPr lang="en-US" dirty="0"/>
           </a:p>
@@ -23589,18 +23510,27 @@
             <p:ph type="body" sz="quarter" idx="10"/>
           </p:nvPr>
         </p:nvSpPr>
-        <p:spPr/>
+        <p:spPr>
+          <a:xfrm>
+            <a:off x="230031" y="1445574"/>
+            <a:ext cx="11085215" cy="4889207"/>
+          </a:xfrm>
+        </p:spPr>
         <p:txBody>
           <a:bodyPr/>
           <a:lstStyle/>
           <a:p>
-            <a:pPr>
-              <a:spcAft>
-                <a:spcPts val="1200"/>
-              </a:spcAft>
+            <a:pPr marL="0" indent="0">
+              <a:buNone/>
             </a:pPr>
             <a:r>
-              <a:rPr lang="en-US" sz="2800" dirty="0">
+              <a:rPr lang="en-US" sz="2400" i="1" dirty="0"/>
+              <a:t>“The Microsoft Consulting Company”</a:t>
+            </a:r>
+          </a:p>
+          <a:p>
+            <a:r>
+              <a:rPr lang="en-US" sz="2400" dirty="0">
                 <a:solidFill>
                   <a:schemeClr val="tx1">
                     <a:lumMod val="75000"/>
@@ -23608,17 +23538,12 @@
                   </a:schemeClr>
                 </a:solidFill>
               </a:rPr>
-              <a:t>An independent wholly owned subsidiary of CSI since 2013</a:t>
-            </a:r>
-          </a:p>
-          <a:p>
-            <a:pPr>
-              <a:spcAft>
-                <a:spcPts val="1200"/>
-              </a:spcAft>
-            </a:pPr>
-            <a:r>
-              <a:rPr lang="en-US" sz="2800" dirty="0">
+              <a:t>Microsoft National Systems Integrator (NSI) </a:t>
+            </a:r>
+          </a:p>
+          <a:p>
+            <a:r>
+              <a:rPr lang="en-US" sz="2400" dirty="0">
                 <a:solidFill>
                   <a:schemeClr val="tx1">
                     <a:lumMod val="75000"/>
@@ -23626,10 +23551,12 @@
                   </a:schemeClr>
                 </a:solidFill>
               </a:rPr>
-              <a:t>Privately founded </a:t>
-            </a:r>
-            <a:r>
-              <a:rPr lang="en-US" sz="2800" dirty="0">
+              <a:t>100% Microsoft focused</a:t>
+            </a:r>
+          </a:p>
+          <a:p>
+            <a:r>
+              <a:rPr lang="en-US" sz="2400" dirty="0">
                 <a:solidFill>
                   <a:schemeClr val="tx1">
                     <a:lumMod val="75000"/>
@@ -23637,405 +23564,723 @@
                   </a:schemeClr>
                 </a:solidFill>
               </a:rPr>
-              <a:t>in </a:t>
-            </a:r>
-            <a:r>
-              <a:rPr lang="en-US" sz="2800" dirty="0">
-                <a:solidFill>
-                  <a:schemeClr val="tx1">
-                    <a:lumMod val="75000"/>
-                    <a:lumOff val="25000"/>
-                  </a:schemeClr>
-                </a:solidFill>
-              </a:rPr>
-              <a:t>1993, Austin Texas Headquarters</a:t>
-            </a:r>
-            <a:endParaRPr lang="en-US" sz="2800" dirty="0">
-              <a:solidFill>
-                <a:schemeClr val="tx1">
-                  <a:lumMod val="75000"/>
-                  <a:lumOff val="25000"/>
-                </a:schemeClr>
-              </a:solidFill>
-            </a:endParaRPr>
-          </a:p>
-          <a:p>
-            <a:pPr>
-              <a:spcAft>
-                <a:spcPts val="1200"/>
-              </a:spcAft>
-            </a:pPr>
-            <a:r>
-              <a:rPr lang="en-US" sz="2800" dirty="0">
-                <a:solidFill>
-                  <a:schemeClr val="tx1">
-                    <a:lumMod val="75000"/>
-                    <a:lumOff val="25000"/>
-                  </a:schemeClr>
-                </a:solidFill>
-              </a:rPr>
-              <a:t>550+ employees (U.S.)</a:t>
-            </a:r>
-            <a:endParaRPr lang="en-US" sz="2800" dirty="0">
-              <a:solidFill>
-                <a:schemeClr val="tx1">
-                  <a:lumMod val="75000"/>
-                  <a:lumOff val="25000"/>
-                </a:schemeClr>
-              </a:solidFill>
-            </a:endParaRPr>
-          </a:p>
-          <a:p>
-            <a:pPr>
-              <a:spcAft>
-                <a:spcPts val="1200"/>
-              </a:spcAft>
-            </a:pPr>
-            <a:r>
-              <a:rPr lang="en-US" sz="2800" dirty="0">
-                <a:solidFill>
-                  <a:schemeClr val="tx1">
-                    <a:lumMod val="75000"/>
-                    <a:lumOff val="25000"/>
-                  </a:schemeClr>
-                </a:solidFill>
-              </a:rPr>
-              <a:t>Delivered over 5,000 </a:t>
-            </a:r>
-            <a:r>
-              <a:rPr lang="en-US" sz="2800" dirty="0">
-                <a:solidFill>
-                  <a:schemeClr val="tx1">
-                    <a:lumMod val="75000"/>
-                    <a:lumOff val="25000"/>
-                  </a:schemeClr>
-                </a:solidFill>
-              </a:rPr>
-              <a:t>client engagements</a:t>
-            </a:r>
-          </a:p>
-          <a:p>
-            <a:pPr>
-              <a:spcAft>
-                <a:spcPts val="1200"/>
-              </a:spcAft>
-            </a:pPr>
-            <a:r>
-              <a:rPr lang="en-US" sz="2800" dirty="0">
-                <a:solidFill>
-                  <a:schemeClr val="tx1">
-                    <a:lumMod val="75000"/>
-                    <a:lumOff val="25000"/>
-                  </a:schemeClr>
-                </a:solidFill>
-              </a:rPr>
-              <a:t>National Coverage with offices in 10 cities:</a:t>
-            </a:r>
-            <a:endParaRPr lang="en-US" sz="2800" dirty="0">
-              <a:solidFill>
-                <a:schemeClr val="tx1">
-                  <a:lumMod val="75000"/>
-                  <a:lumOff val="25000"/>
-                </a:schemeClr>
-              </a:solidFill>
-            </a:endParaRPr>
+              <a:t>We provide:</a:t>
+            </a:r>
+          </a:p>
+          <a:p>
+            <a:pPr lvl="1"/>
+            <a:r>
+              <a:rPr lang="en-US" sz="1800" dirty="0"/>
+              <a:t>Infrastructure</a:t>
+            </a:r>
+          </a:p>
+          <a:p>
+            <a:pPr lvl="1"/>
+            <a:r>
+              <a:rPr lang="en-US" sz="1800" dirty="0"/>
+              <a:t>Business Intelligence</a:t>
+            </a:r>
+          </a:p>
+          <a:p>
+            <a:pPr lvl="1"/>
+            <a:r>
+              <a:rPr lang="en-US" sz="1800" dirty="0"/>
+              <a:t>Managed Services</a:t>
+            </a:r>
+          </a:p>
+          <a:p>
+            <a:pPr lvl="1"/>
+            <a:r>
+              <a:rPr lang="en-US" sz="1800" dirty="0"/>
+              <a:t>User Centered Design</a:t>
+            </a:r>
+          </a:p>
+          <a:p>
+            <a:pPr lvl="1"/>
+            <a:r>
+              <a:rPr lang="en-US" sz="1800" dirty="0"/>
+              <a:t>Web Solutions</a:t>
+            </a:r>
+          </a:p>
+          <a:p>
+            <a:pPr lvl="1"/>
+            <a:r>
+              <a:rPr lang="en-US" sz="1800" dirty="0"/>
+              <a:t>Cloud Services</a:t>
+            </a:r>
+          </a:p>
+          <a:p>
+            <a:pPr lvl="1"/>
+            <a:r>
+              <a:rPr lang="en-US" sz="1800" dirty="0"/>
+              <a:t>Custom Applications</a:t>
+            </a:r>
+          </a:p>
+          <a:p>
+            <a:pPr lvl="1"/>
+            <a:r>
+              <a:rPr lang="en-US" sz="1800" dirty="0"/>
+              <a:t>Mobile Solutions</a:t>
+            </a:r>
           </a:p>
         </p:txBody>
       </p:sp>
+      <p:pic>
+        <p:nvPicPr>
+          <p:cNvPr id="5" name="Picture 4"/>
+          <p:cNvPicPr>
+            <a:picLocks noChangeAspect="1"/>
+          </p:cNvPicPr>
+          <p:nvPr/>
+        </p:nvPicPr>
+        <p:blipFill>
+          <a:blip r:embed="rId2">
+            <a:extLst>
+              <a:ext uri="{28A0092B-C50C-407E-A947-70E740481C1C}">
+                <a14:useLocalDpi xmlns:a14="http://schemas.microsoft.com/office/drawing/2010/main" val="0"/>
+              </a:ext>
+            </a:extLst>
+          </a:blip>
+          <a:stretch>
+            <a:fillRect/>
+          </a:stretch>
+        </p:blipFill>
+        <p:spPr>
+          <a:xfrm>
+            <a:off x="9585724" y="3250018"/>
+            <a:ext cx="1151019" cy="1216901"/>
+          </a:xfrm>
+          <a:prstGeom prst="rect">
+            <a:avLst/>
+          </a:prstGeom>
+        </p:spPr>
+      </p:pic>
+      <p:pic>
+        <p:nvPicPr>
+          <p:cNvPr id="6" name="Picture 5"/>
+          <p:cNvPicPr>
+            <a:picLocks noChangeAspect="1"/>
+          </p:cNvPicPr>
+          <p:nvPr/>
+        </p:nvPicPr>
+        <p:blipFill>
+          <a:blip r:embed="rId3">
+            <a:extLst>
+              <a:ext uri="{28A0092B-C50C-407E-A947-70E740481C1C}">
+                <a14:useLocalDpi xmlns:a14="http://schemas.microsoft.com/office/drawing/2010/main" val="0"/>
+              </a:ext>
+            </a:extLst>
+          </a:blip>
+          <a:stretch>
+            <a:fillRect/>
+          </a:stretch>
+        </p:blipFill>
+        <p:spPr>
+          <a:xfrm>
+            <a:off x="8296584" y="1871000"/>
+            <a:ext cx="1151019" cy="1216901"/>
+          </a:xfrm>
+          <a:prstGeom prst="rect">
+            <a:avLst/>
+          </a:prstGeom>
+        </p:spPr>
+      </p:pic>
+      <p:pic>
+        <p:nvPicPr>
+          <p:cNvPr id="7" name="Picture 6"/>
+          <p:cNvPicPr>
+            <a:picLocks noChangeAspect="1"/>
+          </p:cNvPicPr>
+          <p:nvPr/>
+        </p:nvPicPr>
+        <p:blipFill>
+          <a:blip r:embed="rId4">
+            <a:extLst>
+              <a:ext uri="{28A0092B-C50C-407E-A947-70E740481C1C}">
+                <a14:useLocalDpi xmlns:a14="http://schemas.microsoft.com/office/drawing/2010/main" val="0"/>
+              </a:ext>
+            </a:extLst>
+          </a:blip>
+          <a:stretch>
+            <a:fillRect/>
+          </a:stretch>
+        </p:blipFill>
+        <p:spPr>
+          <a:xfrm>
+            <a:off x="8296584" y="3267402"/>
+            <a:ext cx="1151019" cy="1216901"/>
+          </a:xfrm>
+          <a:prstGeom prst="rect">
+            <a:avLst/>
+          </a:prstGeom>
+        </p:spPr>
+      </p:pic>
+      <p:pic>
+        <p:nvPicPr>
+          <p:cNvPr id="8" name="Picture 7"/>
+          <p:cNvPicPr>
+            <a:picLocks noChangeAspect="1"/>
+          </p:cNvPicPr>
+          <p:nvPr/>
+        </p:nvPicPr>
+        <p:blipFill>
+          <a:blip r:embed="rId5">
+            <a:extLst>
+              <a:ext uri="{28A0092B-C50C-407E-A947-70E740481C1C}">
+                <a14:useLocalDpi xmlns:a14="http://schemas.microsoft.com/office/drawing/2010/main" val="0"/>
+              </a:ext>
+            </a:extLst>
+          </a:blip>
+          <a:stretch>
+            <a:fillRect/>
+          </a:stretch>
+        </p:blipFill>
+        <p:spPr>
+          <a:xfrm>
+            <a:off x="7018953" y="1882592"/>
+            <a:ext cx="1151019" cy="1216901"/>
+          </a:xfrm>
+          <a:prstGeom prst="rect">
+            <a:avLst/>
+          </a:prstGeom>
+        </p:spPr>
+      </p:pic>
+      <p:pic>
+        <p:nvPicPr>
+          <p:cNvPr id="9" name="Picture 8"/>
+          <p:cNvPicPr>
+            <a:picLocks noChangeAspect="1"/>
+          </p:cNvPicPr>
+          <p:nvPr/>
+        </p:nvPicPr>
+        <p:blipFill>
+          <a:blip r:embed="rId6">
+            <a:extLst>
+              <a:ext uri="{28A0092B-C50C-407E-A947-70E740481C1C}">
+                <a14:useLocalDpi xmlns:a14="http://schemas.microsoft.com/office/drawing/2010/main" val="0"/>
+              </a:ext>
+            </a:extLst>
+          </a:blip>
+          <a:stretch>
+            <a:fillRect/>
+          </a:stretch>
+        </p:blipFill>
+        <p:spPr>
+          <a:xfrm>
+            <a:off x="10906566" y="3266732"/>
+            <a:ext cx="1151019" cy="1216901"/>
+          </a:xfrm>
+          <a:prstGeom prst="rect">
+            <a:avLst/>
+          </a:prstGeom>
+        </p:spPr>
+      </p:pic>
+      <p:pic>
+        <p:nvPicPr>
+          <p:cNvPr id="10" name="Picture 9"/>
+          <p:cNvPicPr>
+            <a:picLocks noChangeAspect="1"/>
+          </p:cNvPicPr>
+          <p:nvPr/>
+        </p:nvPicPr>
+        <p:blipFill>
+          <a:blip r:embed="rId7">
+            <a:extLst>
+              <a:ext uri="{28A0092B-C50C-407E-A947-70E740481C1C}">
+                <a14:useLocalDpi xmlns:a14="http://schemas.microsoft.com/office/drawing/2010/main" val="0"/>
+              </a:ext>
+            </a:extLst>
+          </a:blip>
+          <a:stretch>
+            <a:fillRect/>
+          </a:stretch>
+        </p:blipFill>
+        <p:spPr>
+          <a:xfrm>
+            <a:off x="9585724" y="1871001"/>
+            <a:ext cx="1151019" cy="1216901"/>
+          </a:xfrm>
+          <a:prstGeom prst="rect">
+            <a:avLst/>
+          </a:prstGeom>
+        </p:spPr>
+      </p:pic>
+      <p:pic>
+        <p:nvPicPr>
+          <p:cNvPr id="11" name="Picture 10"/>
+          <p:cNvPicPr>
+            <a:picLocks noChangeAspect="1"/>
+          </p:cNvPicPr>
+          <p:nvPr/>
+        </p:nvPicPr>
+        <p:blipFill>
+          <a:blip r:embed="rId8">
+            <a:extLst>
+              <a:ext uri="{28A0092B-C50C-407E-A947-70E740481C1C}">
+                <a14:useLocalDpi xmlns:a14="http://schemas.microsoft.com/office/drawing/2010/main" val="0"/>
+              </a:ext>
+            </a:extLst>
+          </a:blip>
+          <a:stretch>
+            <a:fillRect/>
+          </a:stretch>
+        </p:blipFill>
+        <p:spPr>
+          <a:xfrm>
+            <a:off x="10906075" y="1882592"/>
+            <a:ext cx="1151019" cy="1216901"/>
+          </a:xfrm>
+          <a:prstGeom prst="rect">
+            <a:avLst/>
+          </a:prstGeom>
+        </p:spPr>
+      </p:pic>
+      <p:pic>
+        <p:nvPicPr>
+          <p:cNvPr id="12" name="Picture 11"/>
+          <p:cNvPicPr>
+            <a:picLocks noChangeAspect="1"/>
+          </p:cNvPicPr>
+          <p:nvPr/>
+        </p:nvPicPr>
+        <p:blipFill>
+          <a:blip r:embed="rId9">
+            <a:extLst>
+              <a:ext uri="{28A0092B-C50C-407E-A947-70E740481C1C}">
+                <a14:useLocalDpi xmlns:a14="http://schemas.microsoft.com/office/drawing/2010/main" val="0"/>
+              </a:ext>
+            </a:extLst>
+          </a:blip>
+          <a:stretch>
+            <a:fillRect/>
+          </a:stretch>
+        </p:blipFill>
+        <p:spPr>
+          <a:xfrm>
+            <a:off x="7018953" y="3255812"/>
+            <a:ext cx="1151019" cy="1216901"/>
+          </a:xfrm>
+          <a:prstGeom prst="rect">
+            <a:avLst/>
+          </a:prstGeom>
+        </p:spPr>
+      </p:pic>
       <p:sp>
         <p:nvSpPr>
-          <p:cNvPr id="5" name="TextBox 4"/>
-          <p:cNvSpPr txBox="1"/>
+          <p:cNvPr id="13" name="Rectangle 12"/>
+          <p:cNvSpPr/>
           <p:nvPr/>
         </p:nvSpPr>
         <p:spPr>
           <a:xfrm>
-            <a:off x="839788" y="4786411"/>
-            <a:ext cx="2362200" cy="1938992"/>
+            <a:off x="4503476" y="6334780"/>
+            <a:ext cx="4557538" cy="523220"/>
           </a:xfrm>
           <a:prstGeom prst="rect">
             <a:avLst/>
           </a:prstGeom>
-          <a:noFill/>
         </p:spPr>
         <p:txBody>
-          <a:bodyPr wrap="square" rtlCol="0">
+          <a:bodyPr wrap="square">
             <a:spAutoFit/>
           </a:bodyPr>
           <a:lstStyle/>
           <a:p>
-            <a:pPr marL="4763" lvl="1" indent="-4763" fontAlgn="base">
+            <a:pPr fontAlgn="base">
               <a:spcBef>
-                <a:spcPct val="0"/>
+                <a:spcPts val="1200"/>
               </a:spcBef>
               <a:spcAft>
                 <a:spcPct val="0"/>
               </a:spcAft>
             </a:pPr>
             <a:r>
-              <a:rPr lang="en-US" sz="2400" dirty="0">
-                <a:solidFill>
-                  <a:srgbClr val="010101">
+              <a:rPr lang="en-US" sz="1400" i="1" dirty="0">
+                <a:solidFill>
+                  <a:prstClr val="black">
                     <a:lumMod val="75000"/>
                     <a:lumOff val="25000"/>
-                  </a:srgbClr>
-                </a:solidFill>
-                <a:latin typeface="Segoe UI Symbol" pitchFamily="34" charset="0"/>
-                <a:ea typeface="Segoe UI Symbol" pitchFamily="34" charset="0"/>
+                  </a:prstClr>
+                </a:solidFill>
+                <a:latin typeface="Segoe UI Light" pitchFamily="34" charset="0"/>
+                <a:ea typeface="ＭＳ Ｐゴシック" charset="0"/>
               </a:rPr>
-              <a:t>– Austin</a:t>
-            </a:r>
-          </a:p>
-          <a:p>
-            <a:pPr marL="4763" lvl="1" indent="-4763" fontAlgn="base">
-              <a:spcBef>
-                <a:spcPct val="0"/>
-              </a:spcBef>
-              <a:spcAft>
-                <a:spcPct val="0"/>
-              </a:spcAft>
-            </a:pPr>
-            <a:r>
-              <a:rPr lang="en-US" sz="2400" dirty="0">
-                <a:solidFill>
-                  <a:srgbClr val="010101">
-                    <a:lumMod val="75000"/>
-                    <a:lumOff val="25000"/>
-                  </a:srgbClr>
-                </a:solidFill>
-                <a:latin typeface="Segoe UI Symbol" pitchFamily="34" charset="0"/>
-                <a:ea typeface="Segoe UI Symbol" pitchFamily="34" charset="0"/>
-              </a:rPr>
-              <a:t>– Dallas</a:t>
-            </a:r>
-          </a:p>
-          <a:p>
-            <a:pPr marL="4763" lvl="1" indent="-4763" fontAlgn="base">
-              <a:spcBef>
-                <a:spcPct val="0"/>
-              </a:spcBef>
-              <a:spcAft>
-                <a:spcPct val="0"/>
-              </a:spcAft>
-            </a:pPr>
-            <a:r>
-              <a:rPr lang="en-US" sz="2400" dirty="0">
-                <a:solidFill>
-                  <a:srgbClr val="010101">
-                    <a:lumMod val="75000"/>
-                    <a:lumOff val="25000"/>
-                  </a:srgbClr>
-                </a:solidFill>
-                <a:latin typeface="Segoe UI Symbol" pitchFamily="34" charset="0"/>
-                <a:ea typeface="Segoe UI Symbol" pitchFamily="34" charset="0"/>
-              </a:rPr>
-              <a:t>– Denver</a:t>
-            </a:r>
-          </a:p>
-          <a:p>
-            <a:pPr marL="4763" lvl="1" indent="-4763" fontAlgn="base">
-              <a:spcBef>
-                <a:spcPct val="0"/>
-              </a:spcBef>
-              <a:spcAft>
-                <a:spcPct val="0"/>
-              </a:spcAft>
-            </a:pPr>
-            <a:r>
-              <a:rPr lang="en-US" sz="2400" dirty="0">
-                <a:solidFill>
-                  <a:srgbClr val="010101">
-                    <a:lumMod val="75000"/>
-                    <a:lumOff val="25000"/>
-                  </a:srgbClr>
-                </a:solidFill>
-                <a:latin typeface="Segoe UI Symbol" pitchFamily="34" charset="0"/>
-                <a:ea typeface="Segoe UI Symbol" pitchFamily="34" charset="0"/>
-              </a:rPr>
-              <a:t>– Ft. Lauderdale</a:t>
-            </a:r>
-            <a:br>
-              <a:rPr lang="en-US" sz="2400" dirty="0">
-                <a:solidFill>
-                  <a:srgbClr val="010101">
-                    <a:lumMod val="75000"/>
-                    <a:lumOff val="25000"/>
-                  </a:srgbClr>
-                </a:solidFill>
-                <a:latin typeface="Segoe UI Symbol" pitchFamily="34" charset="0"/>
-                <a:ea typeface="Segoe UI Symbol" pitchFamily="34" charset="0"/>
-              </a:rPr>
-            </a:br>
-            <a:r>
-              <a:rPr lang="en-US" sz="2400" dirty="0">
-                <a:solidFill>
-                  <a:srgbClr val="010101">
-                    <a:lumMod val="75000"/>
-                    <a:lumOff val="25000"/>
-                  </a:srgbClr>
-                </a:solidFill>
-                <a:latin typeface="Segoe UI Symbol" pitchFamily="34" charset="0"/>
-                <a:ea typeface="Segoe UI Symbol" pitchFamily="34" charset="0"/>
-              </a:rPr>
-              <a:t>– Houston</a:t>
+              <a:t>*90% of our employees maintain at least one Microsoft professional certification*</a:t>
             </a:r>
           </a:p>
         </p:txBody>
       </p:sp>
-      <p:sp>
-        <p:nvSpPr>
-          <p:cNvPr id="6" name="TextBox 5"/>
-          <p:cNvSpPr txBox="1"/>
+      <p:pic>
+        <p:nvPicPr>
+          <p:cNvPr id="14" name="Picture 13"/>
+          <p:cNvPicPr>
+            <a:picLocks noChangeAspect="1"/>
+          </p:cNvPicPr>
           <p:nvPr/>
-        </p:nvSpPr>
+        </p:nvPicPr>
+        <p:blipFill>
+          <a:blip r:embed="rId10">
+            <a:extLst>
+              <a:ext uri="{28A0092B-C50C-407E-A947-70E740481C1C}">
+                <a14:useLocalDpi xmlns:a14="http://schemas.microsoft.com/office/drawing/2010/main" val="0"/>
+              </a:ext>
+            </a:extLst>
+          </a:blip>
+          <a:stretch>
+            <a:fillRect/>
+          </a:stretch>
+        </p:blipFill>
         <p:spPr>
           <a:xfrm>
-            <a:off x="3368967" y="4724688"/>
-            <a:ext cx="3022787" cy="2041585"/>
+            <a:off x="9601699" y="4629034"/>
+            <a:ext cx="1158240" cy="1216152"/>
+          </a:xfrm>
+          <a:prstGeom prst="rect">
+            <a:avLst/>
+          </a:prstGeom>
+        </p:spPr>
+      </p:pic>
+      <p:pic>
+        <p:nvPicPr>
+          <p:cNvPr id="15" name="Picture 2" descr="C:\Users\b-baota\Documents\Sanya\Sales Integration Plan\Graphics files\global-service-center.png"/>
+          <p:cNvPicPr>
+            <a:picLocks noChangeAspect="1" noChangeArrowheads="1"/>
+          </p:cNvPicPr>
+          <p:nvPr/>
+        </p:nvPicPr>
+        <p:blipFill>
+          <a:blip r:embed="rId11">
+            <a:extLst>
+              <a:ext uri="{28A0092B-C50C-407E-A947-70E740481C1C}">
+                <a14:useLocalDpi xmlns:a14="http://schemas.microsoft.com/office/drawing/2010/main" val="0"/>
+              </a:ext>
+            </a:extLst>
+          </a:blip>
+          <a:srcRect/>
+          <a:stretch>
+            <a:fillRect/>
+          </a:stretch>
+        </p:blipFill>
+        <p:spPr bwMode="auto">
+          <a:xfrm>
+            <a:off x="10906816" y="4624025"/>
+            <a:ext cx="1158240" cy="1216152"/>
           </a:xfrm>
           <a:prstGeom prst="rect">
             <a:avLst/>
           </a:prstGeom>
           <a:noFill/>
+          <a:extLst>
+            <a:ext uri="{909E8E84-426E-40DD-AFC4-6F175D3DCCD1}">
+              <a14:hiddenFill xmlns:a14="http://schemas.microsoft.com/office/drawing/2010/main">
+                <a:solidFill>
+                  <a:srgbClr val="FFFFFF"/>
+                </a:solidFill>
+              </a14:hiddenFill>
+            </a:ext>
+          </a:extLst>
+        </p:spPr>
+      </p:pic>
+      <p:pic>
+        <p:nvPicPr>
+          <p:cNvPr id="16" name="Picture 3" descr="C:\Users\b-baota\Documents\Sanya\Sales Integration Plan\Graphics files\service-engineering.png"/>
+          <p:cNvPicPr>
+            <a:picLocks noChangeAspect="1" noChangeArrowheads="1"/>
+          </p:cNvPicPr>
+          <p:nvPr/>
+        </p:nvPicPr>
+        <p:blipFill>
+          <a:blip r:embed="rId12">
+            <a:extLst>
+              <a:ext uri="{28A0092B-C50C-407E-A947-70E740481C1C}">
+                <a14:useLocalDpi xmlns:a14="http://schemas.microsoft.com/office/drawing/2010/main" val="0"/>
+              </a:ext>
+            </a:extLst>
+          </a:blip>
+          <a:srcRect/>
+          <a:stretch>
+            <a:fillRect/>
+          </a:stretch>
+        </p:blipFill>
+        <p:spPr bwMode="auto">
+          <a:xfrm>
+            <a:off x="8296583" y="4624025"/>
+            <a:ext cx="1158240" cy="1216152"/>
+          </a:xfrm>
+          <a:prstGeom prst="rect">
+            <a:avLst/>
+          </a:prstGeom>
+          <a:noFill/>
+          <a:extLst>
+            <a:ext uri="{909E8E84-426E-40DD-AFC4-6F175D3DCCD1}">
+              <a14:hiddenFill xmlns:a14="http://schemas.microsoft.com/office/drawing/2010/main">
+                <a:solidFill>
+                  <a:srgbClr val="FFFFFF"/>
+                </a:solidFill>
+              </a14:hiddenFill>
+            </a:ext>
+          </a:extLst>
+        </p:spPr>
+      </p:pic>
+      <p:pic>
+        <p:nvPicPr>
+          <p:cNvPr id="17" name="Picture 4" descr="C:\Users\b-baota\Documents\Sanya\Sales Integration Plan\Graphics files\test-automation.png"/>
+          <p:cNvPicPr>
+            <a:picLocks noChangeAspect="1" noChangeArrowheads="1"/>
+          </p:cNvPicPr>
+          <p:nvPr/>
+        </p:nvPicPr>
+        <p:blipFill>
+          <a:blip r:embed="rId13">
+            <a:extLst>
+              <a:ext uri="{28A0092B-C50C-407E-A947-70E740481C1C}">
+                <a14:useLocalDpi xmlns:a14="http://schemas.microsoft.com/office/drawing/2010/main" val="0"/>
+              </a:ext>
+            </a:extLst>
+          </a:blip>
+          <a:srcRect/>
+          <a:stretch>
+            <a:fillRect/>
+          </a:stretch>
+        </p:blipFill>
+        <p:spPr bwMode="auto">
+          <a:xfrm>
+            <a:off x="7018952" y="4624025"/>
+            <a:ext cx="1158240" cy="1216152"/>
+          </a:xfrm>
+          <a:prstGeom prst="rect">
+            <a:avLst/>
+          </a:prstGeom>
+          <a:noFill/>
+          <a:extLst>
+            <a:ext uri="{909E8E84-426E-40DD-AFC4-6F175D3DCCD1}">
+              <a14:hiddenFill xmlns:a14="http://schemas.microsoft.com/office/drawing/2010/main">
+                <a:solidFill>
+                  <a:srgbClr val="FFFFFF"/>
+                </a:solidFill>
+              </a14:hiddenFill>
+            </a:ext>
+          </a:extLst>
+        </p:spPr>
+      </p:pic>
+      <p:sp>
+        <p:nvSpPr>
+          <p:cNvPr id="22" name="Rectangle 21"/>
+          <p:cNvSpPr/>
+          <p:nvPr/>
+        </p:nvSpPr>
+        <p:spPr>
+          <a:xfrm>
+            <a:off x="3094802" y="3244329"/>
+            <a:ext cx="3695877" cy="1409617"/>
+          </a:xfrm>
+          <a:prstGeom prst="rect">
+            <a:avLst/>
+          </a:prstGeom>
         </p:spPr>
         <p:txBody>
-          <a:bodyPr wrap="square" rtlCol="0">
+          <a:bodyPr wrap="square">
             <a:spAutoFit/>
           </a:bodyPr>
           <a:lstStyle/>
           <a:p>
-            <a:pPr marL="0" lvl="1" defTabSz="282575" fontAlgn="base">
+            <a:pPr marL="631825" lvl="1" indent="-285750" defTabSz="914363" fontAlgn="base">
+              <a:lnSpc>
+                <a:spcPct val="90000"/>
+              </a:lnSpc>
               <a:spcBef>
-                <a:spcPts val="200"/>
+                <a:spcPct val="20000"/>
               </a:spcBef>
               <a:spcAft>
-                <a:spcPct val="0"/>
+                <a:spcPts val="400"/>
               </a:spcAft>
-              <a:tabLst>
-                <a:tab pos="914400" algn="l"/>
-                <a:tab pos="1828800" algn="l"/>
-              </a:tabLst>
+              <a:buClr>
+                <a:prstClr val="black">
+                  <a:lumMod val="75000"/>
+                  <a:lumOff val="25000"/>
+                </a:prstClr>
+              </a:buClr>
+              <a:buSzPct val="90000"/>
+              <a:buFont typeface="Wingdings" panose="05000000000000000000" pitchFamily="2" charset="2"/>
+              <a:buChar char="§"/>
             </a:pPr>
             <a:r>
-              <a:rPr lang="en-US" sz="2400" dirty="0">
-                <a:solidFill>
-                  <a:srgbClr val="010101">
-                    <a:lumMod val="75000"/>
-                    <a:lumOff val="25000"/>
-                  </a:srgbClr>
-                </a:solidFill>
-                <a:latin typeface="Segoe UI Symbol" pitchFamily="34" charset="0"/>
+              <a:rPr lang="en-US" dirty="0">
+                <a:gradFill flip="none" rotWithShape="1">
+                  <a:gsLst>
+                    <a:gs pos="0">
+                      <a:prstClr val="black">
+                        <a:lumMod val="65000"/>
+                        <a:lumOff val="35000"/>
+                      </a:prstClr>
+                    </a:gs>
+                    <a:gs pos="86000">
+                      <a:prstClr val="black">
+                        <a:lumMod val="75000"/>
+                        <a:lumOff val="25000"/>
+                      </a:prstClr>
+                    </a:gs>
+                  </a:gsLst>
+                  <a:path path="circle">
+                    <a:fillToRect r="100000" b="100000"/>
+                  </a:path>
+                  <a:tileRect l="-100000" t="-100000"/>
+                </a:gradFill>
+                <a:latin typeface="Segoe UI" panose="020B0502040204020203" pitchFamily="34" charset="0"/>
                 <a:ea typeface="Segoe UI Symbol" pitchFamily="34" charset="0"/>
+                <a:cs typeface="Segoe UI" panose="020B0502040204020203" pitchFamily="34" charset="0"/>
               </a:rPr>
-              <a:t>– Phoenix</a:t>
-            </a:r>
-          </a:p>
-          <a:p>
-            <a:pPr marL="4763" lvl="1" indent="-4763" defTabSz="282575" fontAlgn="base">
+              <a:t>Testing/Test Automation</a:t>
+            </a:r>
+          </a:p>
+          <a:p>
+            <a:pPr marL="631825" lvl="1" indent="-285750" defTabSz="914363" fontAlgn="base">
+              <a:lnSpc>
+                <a:spcPct val="90000"/>
+              </a:lnSpc>
               <a:spcBef>
-                <a:spcPts val="200"/>
+                <a:spcPct val="20000"/>
               </a:spcBef>
               <a:spcAft>
-                <a:spcPct val="0"/>
+                <a:spcPts val="400"/>
               </a:spcAft>
-              <a:tabLst>
-                <a:tab pos="914400" algn="l"/>
-                <a:tab pos="1828800" algn="l"/>
-              </a:tabLst>
+              <a:buClr>
+                <a:prstClr val="black">
+                  <a:lumMod val="75000"/>
+                  <a:lumOff val="25000"/>
+                </a:prstClr>
+              </a:buClr>
+              <a:buSzPct val="90000"/>
+              <a:buFont typeface="Wingdings" panose="05000000000000000000" pitchFamily="2" charset="2"/>
+              <a:buChar char="§"/>
             </a:pPr>
             <a:r>
-              <a:rPr lang="en-US" sz="2400" dirty="0">
-                <a:solidFill>
-                  <a:srgbClr val="010101">
-                    <a:lumMod val="75000"/>
-                    <a:lumOff val="25000"/>
-                  </a:srgbClr>
-                </a:solidFill>
-                <a:latin typeface="Segoe UI Symbol" pitchFamily="34" charset="0"/>
+              <a:rPr lang="en-US" dirty="0">
+                <a:gradFill flip="none" rotWithShape="1">
+                  <a:gsLst>
+                    <a:gs pos="0">
+                      <a:prstClr val="black">
+                        <a:lumMod val="65000"/>
+                        <a:lumOff val="35000"/>
+                      </a:prstClr>
+                    </a:gs>
+                    <a:gs pos="86000">
+                      <a:prstClr val="black">
+                        <a:lumMod val="75000"/>
+                        <a:lumOff val="25000"/>
+                      </a:prstClr>
+                    </a:gs>
+                  </a:gsLst>
+                  <a:path path="circle">
+                    <a:fillToRect r="100000" b="100000"/>
+                  </a:path>
+                  <a:tileRect l="-100000" t="-100000"/>
+                </a:gradFill>
+                <a:latin typeface="Segoe UI" panose="020B0502040204020203" pitchFamily="34" charset="0"/>
                 <a:ea typeface="Segoe UI Symbol" pitchFamily="34" charset="0"/>
+                <a:cs typeface="Segoe UI" panose="020B0502040204020203" pitchFamily="34" charset="0"/>
               </a:rPr>
-              <a:t>– San Antonio</a:t>
-            </a:r>
-          </a:p>
-          <a:p>
-            <a:pPr marL="4763" lvl="1" indent="-4763" defTabSz="282575" fontAlgn="base">
+              <a:t>Service Engineering</a:t>
+            </a:r>
+          </a:p>
+          <a:p>
+            <a:pPr marL="631825" lvl="1" indent="-285750" defTabSz="914363" fontAlgn="base">
+              <a:lnSpc>
+                <a:spcPct val="90000"/>
+              </a:lnSpc>
               <a:spcBef>
-                <a:spcPts val="200"/>
+                <a:spcPct val="20000"/>
               </a:spcBef>
               <a:spcAft>
-                <a:spcPct val="0"/>
+                <a:spcPts val="400"/>
               </a:spcAft>
-              <a:tabLst>
-                <a:tab pos="914400" algn="l"/>
-                <a:tab pos="1828800" algn="l"/>
-              </a:tabLst>
+              <a:buClr>
+                <a:prstClr val="black">
+                  <a:lumMod val="75000"/>
+                  <a:lumOff val="25000"/>
+                </a:prstClr>
+              </a:buClr>
+              <a:buSzPct val="90000"/>
+              <a:buFont typeface="Wingdings" panose="05000000000000000000" pitchFamily="2" charset="2"/>
+              <a:buChar char="§"/>
             </a:pPr>
             <a:r>
-              <a:rPr lang="en-US" sz="2400" dirty="0">
-                <a:solidFill>
-                  <a:srgbClr val="010101">
-                    <a:lumMod val="75000"/>
-                    <a:lumOff val="25000"/>
-                  </a:srgbClr>
-                </a:solidFill>
-                <a:latin typeface="Segoe UI Symbol" pitchFamily="34" charset="0"/>
+              <a:rPr lang="en-US" dirty="0">
+                <a:gradFill flip="none" rotWithShape="1">
+                  <a:gsLst>
+                    <a:gs pos="0">
+                      <a:prstClr val="black">
+                        <a:lumMod val="65000"/>
+                        <a:lumOff val="35000"/>
+                      </a:prstClr>
+                    </a:gs>
+                    <a:gs pos="86000">
+                      <a:prstClr val="black">
+                        <a:lumMod val="75000"/>
+                        <a:lumOff val="25000"/>
+                      </a:prstClr>
+                    </a:gs>
+                  </a:gsLst>
+                  <a:path path="circle">
+                    <a:fillToRect r="100000" b="100000"/>
+                  </a:path>
+                  <a:tileRect l="-100000" t="-100000"/>
+                </a:gradFill>
+                <a:latin typeface="Segoe UI" panose="020B0502040204020203" pitchFamily="34" charset="0"/>
                 <a:ea typeface="Segoe UI Symbol" pitchFamily="34" charset="0"/>
+                <a:cs typeface="Segoe UI" panose="020B0502040204020203" pitchFamily="34" charset="0"/>
               </a:rPr>
-              <a:t>– Seattle</a:t>
-            </a:r>
-          </a:p>
-          <a:p>
-            <a:pPr marL="4763" lvl="1" indent="-4763" defTabSz="282575" fontAlgn="base">
+              <a:t>Global Delivery</a:t>
+            </a:r>
+          </a:p>
+          <a:p>
+            <a:pPr marL="631825" lvl="1" indent="-285750" defTabSz="914363" fontAlgn="base">
+              <a:lnSpc>
+                <a:spcPct val="90000"/>
+              </a:lnSpc>
               <a:spcBef>
-                <a:spcPts val="200"/>
+                <a:spcPct val="20000"/>
               </a:spcBef>
               <a:spcAft>
-                <a:spcPct val="0"/>
+                <a:spcPts val="400"/>
               </a:spcAft>
-              <a:tabLst>
-                <a:tab pos="914400" algn="l"/>
-                <a:tab pos="1828800" algn="l"/>
-              </a:tabLst>
+              <a:buClr>
+                <a:prstClr val="black">
+                  <a:lumMod val="75000"/>
+                  <a:lumOff val="25000"/>
+                </a:prstClr>
+              </a:buClr>
+              <a:buSzPct val="90000"/>
+              <a:buFont typeface="Wingdings" panose="05000000000000000000" pitchFamily="2" charset="2"/>
+              <a:buChar char="§"/>
             </a:pPr>
             <a:r>
-              <a:rPr lang="en-US" sz="2400" dirty="0">
-                <a:solidFill>
-                  <a:srgbClr val="010101">
-                    <a:lumMod val="75000"/>
-                    <a:lumOff val="25000"/>
-                  </a:srgbClr>
-                </a:solidFill>
-                <a:latin typeface="Segoe UI Symbol" pitchFamily="34" charset="0"/>
+              <a:rPr lang="en-US" dirty="0">
+                <a:gradFill flip="none" rotWithShape="1">
+                  <a:gsLst>
+                    <a:gs pos="0">
+                      <a:prstClr val="black">
+                        <a:lumMod val="65000"/>
+                        <a:lumOff val="35000"/>
+                      </a:prstClr>
+                    </a:gs>
+                    <a:gs pos="86000">
+                      <a:prstClr val="black">
+                        <a:lumMod val="75000"/>
+                        <a:lumOff val="25000"/>
+                      </a:prstClr>
+                    </a:gs>
+                  </a:gsLst>
+                  <a:path path="circle">
+                    <a:fillToRect r="100000" b="100000"/>
+                  </a:path>
+                  <a:tileRect l="-100000" t="-100000"/>
+                </a:gradFill>
+                <a:latin typeface="Segoe UI" panose="020B0502040204020203" pitchFamily="34" charset="0"/>
                 <a:ea typeface="Segoe UI Symbol" pitchFamily="34" charset="0"/>
+                <a:cs typeface="Segoe UI" panose="020B0502040204020203" pitchFamily="34" charset="0"/>
               </a:rPr>
-              <a:t>– Tampa</a:t>
-            </a:r>
-          </a:p>
-          <a:p>
-            <a:pPr marL="4763" lvl="1" indent="-4763" defTabSz="282575" fontAlgn="base">
-              <a:spcBef>
-                <a:spcPts val="200"/>
-              </a:spcBef>
-              <a:spcAft>
-                <a:spcPct val="0"/>
-              </a:spcAft>
-              <a:tabLst>
-                <a:tab pos="914400" algn="l"/>
-                <a:tab pos="1828800" algn="l"/>
-              </a:tabLst>
-            </a:pPr>
-            <a:r>
-              <a:rPr lang="en-US" sz="2400" dirty="0">
-                <a:solidFill>
-                  <a:srgbClr val="010101">
-                    <a:lumMod val="75000"/>
-                    <a:lumOff val="25000"/>
-                  </a:srgbClr>
-                </a:solidFill>
-                <a:latin typeface="Segoe UI Symbol" pitchFamily="34" charset="0"/>
-                <a:ea typeface="Segoe UI Symbol" pitchFamily="34" charset="0"/>
-              </a:rPr>
-              <a:t>– Washington D.C.</a:t>
+              <a:t>Global Service Center</a:t>
             </a:r>
           </a:p>
         </p:txBody>
@@ -24043,18 +24288,18 @@
     </p:spTree>
     <p:extLst>
       <p:ext uri="{BB962C8B-B14F-4D97-AF65-F5344CB8AC3E}">
-        <p14:creationId xmlns:p14="http://schemas.microsoft.com/office/powerpoint/2010/main" val="2248504848"/>
+        <p14:creationId xmlns:p14="http://schemas.microsoft.com/office/powerpoint/2010/main" val="2204476206"/>
       </p:ext>
     </p:extLst>
   </p:cSld>
   <p:clrMapOvr>
     <a:masterClrMapping/>
   </p:clrMapOvr>
-  <mc:AlternateContent xmlns:mc="http://schemas.openxmlformats.org/markup-compatibility/2006">
-    <mc:Choice xmlns:p14="http://schemas.microsoft.com/office/powerpoint/2010/main" Requires="p14">
+  <mc:AlternateContent xmlns:mc="http://schemas.openxmlformats.org/markup-compatibility/2006" xmlns:p14="http://schemas.microsoft.com/office/powerpoint/2010/main">
+    <mc:Choice Requires="p14">
       <p:transition p14:dur="0"/>
     </mc:Choice>
-    <mc:Fallback>
+    <mc:Fallback xmlns="">
       <p:transition/>
     </mc:Fallback>
   </mc:AlternateContent>
@@ -24095,869 +24340,6 @@
             <p:ph type="title"/>
           </p:nvPr>
         </p:nvSpPr>
-        <p:spPr>
-          <a:xfrm>
-            <a:off x="332571" y="339823"/>
-            <a:ext cx="11149013" cy="855917"/>
-          </a:xfrm>
-        </p:spPr>
-        <p:txBody>
-          <a:bodyPr/>
-          <a:lstStyle/>
-          <a:p>
-            <a:r>
-              <a:rPr lang="en-US" dirty="0" smtClean="0"/>
-              <a:t>Who We Are</a:t>
-            </a:r>
-            <a:endParaRPr lang="en-US" dirty="0"/>
-          </a:p>
-        </p:txBody>
-      </p:sp>
-      <p:sp>
-        <p:nvSpPr>
-          <p:cNvPr id="3" name="Text Placeholder 2"/>
-          <p:cNvSpPr>
-            <a:spLocks noGrp="1"/>
-          </p:cNvSpPr>
-          <p:nvPr>
-            <p:ph type="body" sz="quarter" idx="10"/>
-          </p:nvPr>
-        </p:nvSpPr>
-        <p:spPr>
-          <a:xfrm>
-            <a:off x="230031" y="1445574"/>
-            <a:ext cx="11085215" cy="4889207"/>
-          </a:xfrm>
-        </p:spPr>
-        <p:txBody>
-          <a:bodyPr/>
-          <a:lstStyle/>
-          <a:p>
-            <a:pPr marL="0" indent="0">
-              <a:buNone/>
-            </a:pPr>
-            <a:r>
-              <a:rPr lang="en-US" sz="2400" i="1" dirty="0"/>
-              <a:t>“The Microsoft Consulting Company</a:t>
-            </a:r>
-            <a:r>
-              <a:rPr lang="en-US" sz="2400" i="1" dirty="0"/>
-              <a:t>”</a:t>
-            </a:r>
-          </a:p>
-          <a:p>
-            <a:r>
-              <a:rPr lang="en-US" sz="2400" dirty="0">
-                <a:solidFill>
-                  <a:schemeClr val="tx1">
-                    <a:lumMod val="75000"/>
-                    <a:lumOff val="25000"/>
-                  </a:schemeClr>
-                </a:solidFill>
-              </a:rPr>
-              <a:t>Microsoft National Systems Integrator (NSI) </a:t>
-            </a:r>
-          </a:p>
-          <a:p>
-            <a:r>
-              <a:rPr lang="en-US" sz="2400" dirty="0">
-                <a:solidFill>
-                  <a:schemeClr val="tx1">
-                    <a:lumMod val="75000"/>
-                    <a:lumOff val="25000"/>
-                  </a:schemeClr>
-                </a:solidFill>
-              </a:rPr>
-              <a:t>100% Microsoft focused</a:t>
-            </a:r>
-          </a:p>
-          <a:p>
-            <a:r>
-              <a:rPr lang="en-US" sz="2400" dirty="0">
-                <a:solidFill>
-                  <a:schemeClr val="tx1">
-                    <a:lumMod val="75000"/>
-                    <a:lumOff val="25000"/>
-                  </a:schemeClr>
-                </a:solidFill>
-              </a:rPr>
-              <a:t>We provide:</a:t>
-            </a:r>
-          </a:p>
-          <a:p>
-            <a:pPr lvl="1"/>
-            <a:r>
-              <a:rPr lang="en-US" sz="1800" dirty="0"/>
-              <a:t>Infrastructure</a:t>
-            </a:r>
-          </a:p>
-          <a:p>
-            <a:pPr lvl="1"/>
-            <a:r>
-              <a:rPr lang="en-US" sz="1800" dirty="0"/>
-              <a:t>Business Intelligence</a:t>
-            </a:r>
-          </a:p>
-          <a:p>
-            <a:pPr lvl="1"/>
-            <a:r>
-              <a:rPr lang="en-US" sz="1800" dirty="0"/>
-              <a:t>Managed Services</a:t>
-            </a:r>
-          </a:p>
-          <a:p>
-            <a:pPr lvl="1"/>
-            <a:r>
-              <a:rPr lang="en-US" sz="1800" dirty="0"/>
-              <a:t>User Centered Design</a:t>
-            </a:r>
-          </a:p>
-          <a:p>
-            <a:pPr lvl="1"/>
-            <a:r>
-              <a:rPr lang="en-US" sz="1800" dirty="0"/>
-              <a:t>Web Solutions</a:t>
-            </a:r>
-          </a:p>
-          <a:p>
-            <a:pPr lvl="1"/>
-            <a:r>
-              <a:rPr lang="en-US" sz="1800" dirty="0"/>
-              <a:t>Cloud Services</a:t>
-            </a:r>
-          </a:p>
-          <a:p>
-            <a:pPr lvl="1"/>
-            <a:r>
-              <a:rPr lang="en-US" sz="1800" dirty="0"/>
-              <a:t>Custom Applications</a:t>
-            </a:r>
-          </a:p>
-          <a:p>
-            <a:pPr lvl="1"/>
-            <a:r>
-              <a:rPr lang="en-US" sz="1800" dirty="0"/>
-              <a:t>Mobile Solutions</a:t>
-            </a:r>
-            <a:endParaRPr lang="en-US" sz="1800" dirty="0"/>
-          </a:p>
-        </p:txBody>
-      </p:sp>
-      <p:pic>
-        <p:nvPicPr>
-          <p:cNvPr id="5" name="Picture 4"/>
-          <p:cNvPicPr>
-            <a:picLocks noChangeAspect="1"/>
-          </p:cNvPicPr>
-          <p:nvPr/>
-        </p:nvPicPr>
-        <p:blipFill>
-          <a:blip r:embed="rId2">
-            <a:extLst>
-              <a:ext uri="{28A0092B-C50C-407E-A947-70E740481C1C}">
-                <a14:useLocalDpi xmlns:a14="http://schemas.microsoft.com/office/drawing/2010/main" val="0"/>
-              </a:ext>
-            </a:extLst>
-          </a:blip>
-          <a:stretch>
-            <a:fillRect/>
-          </a:stretch>
-        </p:blipFill>
-        <p:spPr>
-          <a:xfrm>
-            <a:off x="9585724" y="3250018"/>
-            <a:ext cx="1151019" cy="1216901"/>
-          </a:xfrm>
-          <a:prstGeom prst="rect">
-            <a:avLst/>
-          </a:prstGeom>
-        </p:spPr>
-      </p:pic>
-      <p:pic>
-        <p:nvPicPr>
-          <p:cNvPr id="6" name="Picture 5"/>
-          <p:cNvPicPr>
-            <a:picLocks noChangeAspect="1"/>
-          </p:cNvPicPr>
-          <p:nvPr/>
-        </p:nvPicPr>
-        <p:blipFill>
-          <a:blip r:embed="rId3">
-            <a:extLst>
-              <a:ext uri="{28A0092B-C50C-407E-A947-70E740481C1C}">
-                <a14:useLocalDpi xmlns:a14="http://schemas.microsoft.com/office/drawing/2010/main" val="0"/>
-              </a:ext>
-            </a:extLst>
-          </a:blip>
-          <a:stretch>
-            <a:fillRect/>
-          </a:stretch>
-        </p:blipFill>
-        <p:spPr>
-          <a:xfrm>
-            <a:off x="8296584" y="1871000"/>
-            <a:ext cx="1151019" cy="1216901"/>
-          </a:xfrm>
-          <a:prstGeom prst="rect">
-            <a:avLst/>
-          </a:prstGeom>
-        </p:spPr>
-      </p:pic>
-      <p:pic>
-        <p:nvPicPr>
-          <p:cNvPr id="7" name="Picture 6"/>
-          <p:cNvPicPr>
-            <a:picLocks noChangeAspect="1"/>
-          </p:cNvPicPr>
-          <p:nvPr/>
-        </p:nvPicPr>
-        <p:blipFill>
-          <a:blip r:embed="rId4">
-            <a:extLst>
-              <a:ext uri="{28A0092B-C50C-407E-A947-70E740481C1C}">
-                <a14:useLocalDpi xmlns:a14="http://schemas.microsoft.com/office/drawing/2010/main" val="0"/>
-              </a:ext>
-            </a:extLst>
-          </a:blip>
-          <a:stretch>
-            <a:fillRect/>
-          </a:stretch>
-        </p:blipFill>
-        <p:spPr>
-          <a:xfrm>
-            <a:off x="8296584" y="3267402"/>
-            <a:ext cx="1151019" cy="1216901"/>
-          </a:xfrm>
-          <a:prstGeom prst="rect">
-            <a:avLst/>
-          </a:prstGeom>
-        </p:spPr>
-      </p:pic>
-      <p:pic>
-        <p:nvPicPr>
-          <p:cNvPr id="8" name="Picture 7"/>
-          <p:cNvPicPr>
-            <a:picLocks noChangeAspect="1"/>
-          </p:cNvPicPr>
-          <p:nvPr/>
-        </p:nvPicPr>
-        <p:blipFill>
-          <a:blip r:embed="rId5">
-            <a:extLst>
-              <a:ext uri="{28A0092B-C50C-407E-A947-70E740481C1C}">
-                <a14:useLocalDpi xmlns:a14="http://schemas.microsoft.com/office/drawing/2010/main" val="0"/>
-              </a:ext>
-            </a:extLst>
-          </a:blip>
-          <a:stretch>
-            <a:fillRect/>
-          </a:stretch>
-        </p:blipFill>
-        <p:spPr>
-          <a:xfrm>
-            <a:off x="7018953" y="1882592"/>
-            <a:ext cx="1151019" cy="1216901"/>
-          </a:xfrm>
-          <a:prstGeom prst="rect">
-            <a:avLst/>
-          </a:prstGeom>
-        </p:spPr>
-      </p:pic>
-      <p:pic>
-        <p:nvPicPr>
-          <p:cNvPr id="9" name="Picture 8"/>
-          <p:cNvPicPr>
-            <a:picLocks noChangeAspect="1"/>
-          </p:cNvPicPr>
-          <p:nvPr/>
-        </p:nvPicPr>
-        <p:blipFill>
-          <a:blip r:embed="rId6">
-            <a:extLst>
-              <a:ext uri="{28A0092B-C50C-407E-A947-70E740481C1C}">
-                <a14:useLocalDpi xmlns:a14="http://schemas.microsoft.com/office/drawing/2010/main" val="0"/>
-              </a:ext>
-            </a:extLst>
-          </a:blip>
-          <a:stretch>
-            <a:fillRect/>
-          </a:stretch>
-        </p:blipFill>
-        <p:spPr>
-          <a:xfrm>
-            <a:off x="10906566" y="3266732"/>
-            <a:ext cx="1151019" cy="1216901"/>
-          </a:xfrm>
-          <a:prstGeom prst="rect">
-            <a:avLst/>
-          </a:prstGeom>
-        </p:spPr>
-      </p:pic>
-      <p:pic>
-        <p:nvPicPr>
-          <p:cNvPr id="10" name="Picture 9"/>
-          <p:cNvPicPr>
-            <a:picLocks noChangeAspect="1"/>
-          </p:cNvPicPr>
-          <p:nvPr/>
-        </p:nvPicPr>
-        <p:blipFill>
-          <a:blip r:embed="rId7">
-            <a:extLst>
-              <a:ext uri="{28A0092B-C50C-407E-A947-70E740481C1C}">
-                <a14:useLocalDpi xmlns:a14="http://schemas.microsoft.com/office/drawing/2010/main" val="0"/>
-              </a:ext>
-            </a:extLst>
-          </a:blip>
-          <a:stretch>
-            <a:fillRect/>
-          </a:stretch>
-        </p:blipFill>
-        <p:spPr>
-          <a:xfrm>
-            <a:off x="9585724" y="1871001"/>
-            <a:ext cx="1151019" cy="1216901"/>
-          </a:xfrm>
-          <a:prstGeom prst="rect">
-            <a:avLst/>
-          </a:prstGeom>
-        </p:spPr>
-      </p:pic>
-      <p:pic>
-        <p:nvPicPr>
-          <p:cNvPr id="11" name="Picture 10"/>
-          <p:cNvPicPr>
-            <a:picLocks noChangeAspect="1"/>
-          </p:cNvPicPr>
-          <p:nvPr/>
-        </p:nvPicPr>
-        <p:blipFill>
-          <a:blip r:embed="rId8">
-            <a:extLst>
-              <a:ext uri="{28A0092B-C50C-407E-A947-70E740481C1C}">
-                <a14:useLocalDpi xmlns:a14="http://schemas.microsoft.com/office/drawing/2010/main" val="0"/>
-              </a:ext>
-            </a:extLst>
-          </a:blip>
-          <a:stretch>
-            <a:fillRect/>
-          </a:stretch>
-        </p:blipFill>
-        <p:spPr>
-          <a:xfrm>
-            <a:off x="10906075" y="1882592"/>
-            <a:ext cx="1151019" cy="1216901"/>
-          </a:xfrm>
-          <a:prstGeom prst="rect">
-            <a:avLst/>
-          </a:prstGeom>
-        </p:spPr>
-      </p:pic>
-      <p:pic>
-        <p:nvPicPr>
-          <p:cNvPr id="12" name="Picture 11"/>
-          <p:cNvPicPr>
-            <a:picLocks noChangeAspect="1"/>
-          </p:cNvPicPr>
-          <p:nvPr/>
-        </p:nvPicPr>
-        <p:blipFill>
-          <a:blip r:embed="rId9">
-            <a:extLst>
-              <a:ext uri="{28A0092B-C50C-407E-A947-70E740481C1C}">
-                <a14:useLocalDpi xmlns:a14="http://schemas.microsoft.com/office/drawing/2010/main" val="0"/>
-              </a:ext>
-            </a:extLst>
-          </a:blip>
-          <a:stretch>
-            <a:fillRect/>
-          </a:stretch>
-        </p:blipFill>
-        <p:spPr>
-          <a:xfrm>
-            <a:off x="7018953" y="3255812"/>
-            <a:ext cx="1151019" cy="1216901"/>
-          </a:xfrm>
-          <a:prstGeom prst="rect">
-            <a:avLst/>
-          </a:prstGeom>
-        </p:spPr>
-      </p:pic>
-      <p:sp>
-        <p:nvSpPr>
-          <p:cNvPr id="13" name="Rectangle 12"/>
-          <p:cNvSpPr/>
-          <p:nvPr/>
-        </p:nvSpPr>
-        <p:spPr>
-          <a:xfrm>
-            <a:off x="4503476" y="6334780"/>
-            <a:ext cx="4557538" cy="523220"/>
-          </a:xfrm>
-          <a:prstGeom prst="rect">
-            <a:avLst/>
-          </a:prstGeom>
-        </p:spPr>
-        <p:txBody>
-          <a:bodyPr wrap="square">
-            <a:spAutoFit/>
-          </a:bodyPr>
-          <a:lstStyle/>
-          <a:p>
-            <a:pPr fontAlgn="base">
-              <a:spcBef>
-                <a:spcPts val="1200"/>
-              </a:spcBef>
-              <a:spcAft>
-                <a:spcPct val="0"/>
-              </a:spcAft>
-            </a:pPr>
-            <a:r>
-              <a:rPr lang="en-US" sz="1400" i="1" dirty="0">
-                <a:solidFill>
-                  <a:prstClr val="black">
-                    <a:lumMod val="75000"/>
-                    <a:lumOff val="25000"/>
-                  </a:prstClr>
-                </a:solidFill>
-                <a:latin typeface="Segoe UI Light" pitchFamily="34" charset="0"/>
-                <a:ea typeface="ＭＳ Ｐゴシック" charset="0"/>
-              </a:rPr>
-              <a:t>*90% of our employees maintain at least one Microsoft professional certification*</a:t>
-            </a:r>
-          </a:p>
-        </p:txBody>
-      </p:sp>
-      <p:pic>
-        <p:nvPicPr>
-          <p:cNvPr id="14" name="Picture 13"/>
-          <p:cNvPicPr>
-            <a:picLocks noChangeAspect="1"/>
-          </p:cNvPicPr>
-          <p:nvPr/>
-        </p:nvPicPr>
-        <p:blipFill>
-          <a:blip r:embed="rId10">
-            <a:extLst>
-              <a:ext uri="{28A0092B-C50C-407E-A947-70E740481C1C}">
-                <a14:useLocalDpi xmlns:a14="http://schemas.microsoft.com/office/drawing/2010/main" val="0"/>
-              </a:ext>
-            </a:extLst>
-          </a:blip>
-          <a:stretch>
-            <a:fillRect/>
-          </a:stretch>
-        </p:blipFill>
-        <p:spPr>
-          <a:xfrm>
-            <a:off x="9601699" y="4629034"/>
-            <a:ext cx="1158240" cy="1216152"/>
-          </a:xfrm>
-          <a:prstGeom prst="rect">
-            <a:avLst/>
-          </a:prstGeom>
-        </p:spPr>
-      </p:pic>
-      <p:pic>
-        <p:nvPicPr>
-          <p:cNvPr id="15" name="Picture 2" descr="C:\Users\b-baota\Documents\Sanya\Sales Integration Plan\Graphics files\global-service-center.png"/>
-          <p:cNvPicPr>
-            <a:picLocks noChangeAspect="1" noChangeArrowheads="1"/>
-          </p:cNvPicPr>
-          <p:nvPr/>
-        </p:nvPicPr>
-        <p:blipFill>
-          <a:blip r:embed="rId11">
-            <a:extLst>
-              <a:ext uri="{28A0092B-C50C-407E-A947-70E740481C1C}">
-                <a14:useLocalDpi xmlns:a14="http://schemas.microsoft.com/office/drawing/2010/main" val="0"/>
-              </a:ext>
-            </a:extLst>
-          </a:blip>
-          <a:srcRect/>
-          <a:stretch>
-            <a:fillRect/>
-          </a:stretch>
-        </p:blipFill>
-        <p:spPr bwMode="auto">
-          <a:xfrm>
-            <a:off x="10906816" y="4624025"/>
-            <a:ext cx="1158240" cy="1216152"/>
-          </a:xfrm>
-          <a:prstGeom prst="rect">
-            <a:avLst/>
-          </a:prstGeom>
-          <a:noFill/>
-          <a:extLst>
-            <a:ext uri="{909E8E84-426E-40DD-AFC4-6F175D3DCCD1}">
-              <a14:hiddenFill xmlns:a14="http://schemas.microsoft.com/office/drawing/2010/main">
-                <a:solidFill>
-                  <a:srgbClr val="FFFFFF"/>
-                </a:solidFill>
-              </a14:hiddenFill>
-            </a:ext>
-          </a:extLst>
-        </p:spPr>
-      </p:pic>
-      <p:pic>
-        <p:nvPicPr>
-          <p:cNvPr id="16" name="Picture 3" descr="C:\Users\b-baota\Documents\Sanya\Sales Integration Plan\Graphics files\service-engineering.png"/>
-          <p:cNvPicPr>
-            <a:picLocks noChangeAspect="1" noChangeArrowheads="1"/>
-          </p:cNvPicPr>
-          <p:nvPr/>
-        </p:nvPicPr>
-        <p:blipFill>
-          <a:blip r:embed="rId12">
-            <a:extLst>
-              <a:ext uri="{28A0092B-C50C-407E-A947-70E740481C1C}">
-                <a14:useLocalDpi xmlns:a14="http://schemas.microsoft.com/office/drawing/2010/main" val="0"/>
-              </a:ext>
-            </a:extLst>
-          </a:blip>
-          <a:srcRect/>
-          <a:stretch>
-            <a:fillRect/>
-          </a:stretch>
-        </p:blipFill>
-        <p:spPr bwMode="auto">
-          <a:xfrm>
-            <a:off x="8296583" y="4624025"/>
-            <a:ext cx="1158240" cy="1216152"/>
-          </a:xfrm>
-          <a:prstGeom prst="rect">
-            <a:avLst/>
-          </a:prstGeom>
-          <a:noFill/>
-          <a:extLst>
-            <a:ext uri="{909E8E84-426E-40DD-AFC4-6F175D3DCCD1}">
-              <a14:hiddenFill xmlns:a14="http://schemas.microsoft.com/office/drawing/2010/main">
-                <a:solidFill>
-                  <a:srgbClr val="FFFFFF"/>
-                </a:solidFill>
-              </a14:hiddenFill>
-            </a:ext>
-          </a:extLst>
-        </p:spPr>
-      </p:pic>
-      <p:pic>
-        <p:nvPicPr>
-          <p:cNvPr id="17" name="Picture 4" descr="C:\Users\b-baota\Documents\Sanya\Sales Integration Plan\Graphics files\test-automation.png"/>
-          <p:cNvPicPr>
-            <a:picLocks noChangeAspect="1" noChangeArrowheads="1"/>
-          </p:cNvPicPr>
-          <p:nvPr/>
-        </p:nvPicPr>
-        <p:blipFill>
-          <a:blip r:embed="rId13">
-            <a:extLst>
-              <a:ext uri="{28A0092B-C50C-407E-A947-70E740481C1C}">
-                <a14:useLocalDpi xmlns:a14="http://schemas.microsoft.com/office/drawing/2010/main" val="0"/>
-              </a:ext>
-            </a:extLst>
-          </a:blip>
-          <a:srcRect/>
-          <a:stretch>
-            <a:fillRect/>
-          </a:stretch>
-        </p:blipFill>
-        <p:spPr bwMode="auto">
-          <a:xfrm>
-            <a:off x="7018952" y="4624025"/>
-            <a:ext cx="1158240" cy="1216152"/>
-          </a:xfrm>
-          <a:prstGeom prst="rect">
-            <a:avLst/>
-          </a:prstGeom>
-          <a:noFill/>
-          <a:extLst>
-            <a:ext uri="{909E8E84-426E-40DD-AFC4-6F175D3DCCD1}">
-              <a14:hiddenFill xmlns:a14="http://schemas.microsoft.com/office/drawing/2010/main">
-                <a:solidFill>
-                  <a:srgbClr val="FFFFFF"/>
-                </a:solidFill>
-              </a14:hiddenFill>
-            </a:ext>
-          </a:extLst>
-        </p:spPr>
-      </p:pic>
-      <p:sp>
-        <p:nvSpPr>
-          <p:cNvPr id="22" name="Rectangle 21"/>
-          <p:cNvSpPr/>
-          <p:nvPr/>
-        </p:nvSpPr>
-        <p:spPr>
-          <a:xfrm>
-            <a:off x="3094802" y="3244329"/>
-            <a:ext cx="3695877" cy="1409617"/>
-          </a:xfrm>
-          <a:prstGeom prst="rect">
-            <a:avLst/>
-          </a:prstGeom>
-        </p:spPr>
-        <p:txBody>
-          <a:bodyPr wrap="square">
-            <a:spAutoFit/>
-          </a:bodyPr>
-          <a:lstStyle/>
-          <a:p>
-            <a:pPr marL="631825" lvl="1" indent="-285750" defTabSz="914363" fontAlgn="base">
-              <a:lnSpc>
-                <a:spcPct val="90000"/>
-              </a:lnSpc>
-              <a:spcBef>
-                <a:spcPct val="20000"/>
-              </a:spcBef>
-              <a:spcAft>
-                <a:spcPts val="400"/>
-              </a:spcAft>
-              <a:buClr>
-                <a:prstClr val="black">
-                  <a:lumMod val="75000"/>
-                  <a:lumOff val="25000"/>
-                </a:prstClr>
-              </a:buClr>
-              <a:buSzPct val="90000"/>
-              <a:buFont typeface="Wingdings" panose="05000000000000000000" pitchFamily="2" charset="2"/>
-              <a:buChar char="§"/>
-            </a:pPr>
-            <a:r>
-              <a:rPr lang="en-US" dirty="0">
-                <a:gradFill flip="none" rotWithShape="1">
-                  <a:gsLst>
-                    <a:gs pos="0">
-                      <a:prstClr val="black">
-                        <a:lumMod val="65000"/>
-                        <a:lumOff val="35000"/>
-                      </a:prstClr>
-                    </a:gs>
-                    <a:gs pos="86000">
-                      <a:prstClr val="black">
-                        <a:lumMod val="75000"/>
-                        <a:lumOff val="25000"/>
-                      </a:prstClr>
-                    </a:gs>
-                  </a:gsLst>
-                  <a:path path="circle">
-                    <a:fillToRect r="100000" b="100000"/>
-                  </a:path>
-                  <a:tileRect l="-100000" t="-100000"/>
-                </a:gradFill>
-                <a:latin typeface="Segoe UI" panose="020B0502040204020203" pitchFamily="34" charset="0"/>
-                <a:ea typeface="Segoe UI Symbol" pitchFamily="34" charset="0"/>
-                <a:cs typeface="Segoe UI" panose="020B0502040204020203" pitchFamily="34" charset="0"/>
-              </a:rPr>
-              <a:t>Testing/Test Automation</a:t>
-            </a:r>
-          </a:p>
-          <a:p>
-            <a:pPr marL="631825" lvl="1" indent="-285750" defTabSz="914363" fontAlgn="base">
-              <a:lnSpc>
-                <a:spcPct val="90000"/>
-              </a:lnSpc>
-              <a:spcBef>
-                <a:spcPct val="20000"/>
-              </a:spcBef>
-              <a:spcAft>
-                <a:spcPts val="400"/>
-              </a:spcAft>
-              <a:buClr>
-                <a:prstClr val="black">
-                  <a:lumMod val="75000"/>
-                  <a:lumOff val="25000"/>
-                </a:prstClr>
-              </a:buClr>
-              <a:buSzPct val="90000"/>
-              <a:buFont typeface="Wingdings" panose="05000000000000000000" pitchFamily="2" charset="2"/>
-              <a:buChar char="§"/>
-            </a:pPr>
-            <a:r>
-              <a:rPr lang="en-US" dirty="0">
-                <a:gradFill flip="none" rotWithShape="1">
-                  <a:gsLst>
-                    <a:gs pos="0">
-                      <a:prstClr val="black">
-                        <a:lumMod val="65000"/>
-                        <a:lumOff val="35000"/>
-                      </a:prstClr>
-                    </a:gs>
-                    <a:gs pos="86000">
-                      <a:prstClr val="black">
-                        <a:lumMod val="75000"/>
-                        <a:lumOff val="25000"/>
-                      </a:prstClr>
-                    </a:gs>
-                  </a:gsLst>
-                  <a:path path="circle">
-                    <a:fillToRect r="100000" b="100000"/>
-                  </a:path>
-                  <a:tileRect l="-100000" t="-100000"/>
-                </a:gradFill>
-                <a:latin typeface="Segoe UI" panose="020B0502040204020203" pitchFamily="34" charset="0"/>
-                <a:ea typeface="Segoe UI Symbol" pitchFamily="34" charset="0"/>
-                <a:cs typeface="Segoe UI" panose="020B0502040204020203" pitchFamily="34" charset="0"/>
-              </a:rPr>
-              <a:t>Service Engineering</a:t>
-            </a:r>
-          </a:p>
-          <a:p>
-            <a:pPr marL="631825" lvl="1" indent="-285750" defTabSz="914363" fontAlgn="base">
-              <a:lnSpc>
-                <a:spcPct val="90000"/>
-              </a:lnSpc>
-              <a:spcBef>
-                <a:spcPct val="20000"/>
-              </a:spcBef>
-              <a:spcAft>
-                <a:spcPts val="400"/>
-              </a:spcAft>
-              <a:buClr>
-                <a:prstClr val="black">
-                  <a:lumMod val="75000"/>
-                  <a:lumOff val="25000"/>
-                </a:prstClr>
-              </a:buClr>
-              <a:buSzPct val="90000"/>
-              <a:buFont typeface="Wingdings" panose="05000000000000000000" pitchFamily="2" charset="2"/>
-              <a:buChar char="§"/>
-            </a:pPr>
-            <a:r>
-              <a:rPr lang="en-US" dirty="0">
-                <a:gradFill flip="none" rotWithShape="1">
-                  <a:gsLst>
-                    <a:gs pos="0">
-                      <a:prstClr val="black">
-                        <a:lumMod val="65000"/>
-                        <a:lumOff val="35000"/>
-                      </a:prstClr>
-                    </a:gs>
-                    <a:gs pos="86000">
-                      <a:prstClr val="black">
-                        <a:lumMod val="75000"/>
-                        <a:lumOff val="25000"/>
-                      </a:prstClr>
-                    </a:gs>
-                  </a:gsLst>
-                  <a:path path="circle">
-                    <a:fillToRect r="100000" b="100000"/>
-                  </a:path>
-                  <a:tileRect l="-100000" t="-100000"/>
-                </a:gradFill>
-                <a:latin typeface="Segoe UI" panose="020B0502040204020203" pitchFamily="34" charset="0"/>
-                <a:ea typeface="Segoe UI Symbol" pitchFamily="34" charset="0"/>
-                <a:cs typeface="Segoe UI" panose="020B0502040204020203" pitchFamily="34" charset="0"/>
-              </a:rPr>
-              <a:t>Global Delivery</a:t>
-            </a:r>
-          </a:p>
-          <a:p>
-            <a:pPr marL="631825" lvl="1" indent="-285750" defTabSz="914363" fontAlgn="base">
-              <a:lnSpc>
-                <a:spcPct val="90000"/>
-              </a:lnSpc>
-              <a:spcBef>
-                <a:spcPct val="20000"/>
-              </a:spcBef>
-              <a:spcAft>
-                <a:spcPts val="400"/>
-              </a:spcAft>
-              <a:buClr>
-                <a:prstClr val="black">
-                  <a:lumMod val="75000"/>
-                  <a:lumOff val="25000"/>
-                </a:prstClr>
-              </a:buClr>
-              <a:buSzPct val="90000"/>
-              <a:buFont typeface="Wingdings" panose="05000000000000000000" pitchFamily="2" charset="2"/>
-              <a:buChar char="§"/>
-            </a:pPr>
-            <a:r>
-              <a:rPr lang="en-US" dirty="0">
-                <a:gradFill flip="none" rotWithShape="1">
-                  <a:gsLst>
-                    <a:gs pos="0">
-                      <a:prstClr val="black">
-                        <a:lumMod val="65000"/>
-                        <a:lumOff val="35000"/>
-                      </a:prstClr>
-                    </a:gs>
-                    <a:gs pos="86000">
-                      <a:prstClr val="black">
-                        <a:lumMod val="75000"/>
-                        <a:lumOff val="25000"/>
-                      </a:prstClr>
-                    </a:gs>
-                  </a:gsLst>
-                  <a:path path="circle">
-                    <a:fillToRect r="100000" b="100000"/>
-                  </a:path>
-                  <a:tileRect l="-100000" t="-100000"/>
-                </a:gradFill>
-                <a:latin typeface="Segoe UI" panose="020B0502040204020203" pitchFamily="34" charset="0"/>
-                <a:ea typeface="Segoe UI Symbol" pitchFamily="34" charset="0"/>
-                <a:cs typeface="Segoe UI" panose="020B0502040204020203" pitchFamily="34" charset="0"/>
-              </a:rPr>
-              <a:t>Global Service Center</a:t>
-            </a:r>
-          </a:p>
-        </p:txBody>
-      </p:sp>
-    </p:spTree>
-    <p:extLst>
-      <p:ext uri="{BB962C8B-B14F-4D97-AF65-F5344CB8AC3E}">
-        <p14:creationId xmlns:p14="http://schemas.microsoft.com/office/powerpoint/2010/main" val="2204476206"/>
-      </p:ext>
-    </p:extLst>
-  </p:cSld>
-  <p:clrMapOvr>
-    <a:masterClrMapping/>
-  </p:clrMapOvr>
-  <mc:AlternateContent xmlns:mc="http://schemas.openxmlformats.org/markup-compatibility/2006">
-    <mc:Choice xmlns:p14="http://schemas.microsoft.com/office/powerpoint/2010/main" Requires="p14">
-      <p:transition p14:dur="0"/>
-    </mc:Choice>
-    <mc:Fallback>
-      <p:transition/>
-    </mc:Fallback>
-  </mc:AlternateContent>
-  <p:timing>
-    <p:tnLst>
-      <p:par>
-        <p:cTn id="1" dur="indefinite" restart="never" nodeType="tmRoot"/>
-      </p:par>
-    </p:tnLst>
-  </p:timing>
-</p:sld>
-</file>
-
-<file path=ppt/slides/slide8.xml><?xml version="1.0" encoding="utf-8"?>
-<p:sld xmlns:a="http://schemas.openxmlformats.org/drawingml/2006/main" xmlns:r="http://schemas.openxmlformats.org/officeDocument/2006/relationships" xmlns:p="http://schemas.openxmlformats.org/presentationml/2006/main" show="0">
-  <p:cSld>
-    <p:spTree>
-      <p:nvGrpSpPr>
-        <p:cNvPr id="1" name=""/>
-        <p:cNvGrpSpPr/>
-        <p:nvPr/>
-      </p:nvGrpSpPr>
-      <p:grpSpPr>
-        <a:xfrm>
-          <a:off x="0" y="0"/>
-          <a:ext cx="0" cy="0"/>
-          <a:chOff x="0" y="0"/>
-          <a:chExt cx="0" cy="0"/>
-        </a:xfrm>
-      </p:grpSpPr>
-      <p:sp>
-        <p:nvSpPr>
-          <p:cNvPr id="2" name="Title 1"/>
-          <p:cNvSpPr>
-            <a:spLocks noGrp="1"/>
-          </p:cNvSpPr>
-          <p:nvPr>
-            <p:ph type="title"/>
-          </p:nvPr>
-        </p:nvSpPr>
         <p:spPr/>
         <p:txBody>
           <a:bodyPr/>
@@ -26167,8 +25549,8 @@
 </p:sld>
 </file>
 
-<file path=ppt/slides/slide9.xml><?xml version="1.0" encoding="utf-8"?>
-<p:sld xmlns:a="http://schemas.openxmlformats.org/drawingml/2006/main" xmlns:r="http://schemas.openxmlformats.org/officeDocument/2006/relationships" xmlns:p="http://schemas.openxmlformats.org/presentationml/2006/main" show="0">
+<file path=ppt/slides/slide8.xml><?xml version="1.0" encoding="utf-8"?>
+<p:sld xmlns:a="http://schemas.openxmlformats.org/drawingml/2006/main" xmlns:r="http://schemas.openxmlformats.org/officeDocument/2006/relationships" xmlns:p="http://schemas.openxmlformats.org/presentationml/2006/main">
   <p:cSld>
     <p:spTree>
       <p:nvGrpSpPr>
@@ -28507,6 +27889,93 @@
       <p:transition p14:dur="0"/>
     </mc:Choice>
     <mc:Fallback>
+      <p:transition/>
+    </mc:Fallback>
+  </mc:AlternateContent>
+  <p:timing>
+    <p:tnLst>
+      <p:par>
+        <p:cTn id="1" dur="indefinite" restart="never" nodeType="tmRoot"/>
+      </p:par>
+    </p:tnLst>
+  </p:timing>
+</p:sld>
+</file>
+
+<file path=ppt/slides/slide9.xml><?xml version="1.0" encoding="utf-8"?>
+<p:sld xmlns:a="http://schemas.openxmlformats.org/drawingml/2006/main" xmlns:r="http://schemas.openxmlformats.org/officeDocument/2006/relationships" xmlns:p="http://schemas.openxmlformats.org/presentationml/2006/main">
+  <p:cSld>
+    <p:spTree>
+      <p:nvGrpSpPr>
+        <p:cNvPr id="1" name=""/>
+        <p:cNvGrpSpPr/>
+        <p:nvPr/>
+      </p:nvGrpSpPr>
+      <p:grpSpPr>
+        <a:xfrm>
+          <a:off x="0" y="0"/>
+          <a:ext cx="0" cy="0"/>
+          <a:chOff x="0" y="0"/>
+          <a:chExt cx="0" cy="0"/>
+        </a:xfrm>
+      </p:grpSpPr>
+      <p:sp>
+        <p:nvSpPr>
+          <p:cNvPr id="2" name="Text Placeholder 1"/>
+          <p:cNvSpPr>
+            <a:spLocks noGrp="1"/>
+          </p:cNvSpPr>
+          <p:nvPr>
+            <p:ph type="body" idx="10"/>
+          </p:nvPr>
+        </p:nvSpPr>
+        <p:spPr/>
+        <p:txBody>
+          <a:bodyPr/>
+          <a:lstStyle/>
+          <a:p>
+            <a:endParaRPr lang="en-US" dirty="0"/>
+          </a:p>
+        </p:txBody>
+      </p:sp>
+      <p:sp>
+        <p:nvSpPr>
+          <p:cNvPr id="3" name="Title 2"/>
+          <p:cNvSpPr>
+            <a:spLocks noGrp="1"/>
+          </p:cNvSpPr>
+          <p:nvPr>
+            <p:ph type="title"/>
+          </p:nvPr>
+        </p:nvSpPr>
+        <p:spPr/>
+        <p:txBody>
+          <a:bodyPr/>
+          <a:lstStyle/>
+          <a:p>
+            <a:r>
+              <a:rPr lang="en-US" dirty="0" smtClean="0"/>
+              <a:t>PowerShell for Office 365</a:t>
+            </a:r>
+            <a:endParaRPr lang="en-US" dirty="0"/>
+          </a:p>
+        </p:txBody>
+      </p:sp>
+    </p:spTree>
+    <p:extLst>
+      <p:ext uri="{BB962C8B-B14F-4D97-AF65-F5344CB8AC3E}">
+        <p14:creationId xmlns:p14="http://schemas.microsoft.com/office/powerpoint/2010/main" val="1257543582"/>
+      </p:ext>
+    </p:extLst>
+  </p:cSld>
+  <p:clrMapOvr>
+    <a:masterClrMapping/>
+  </p:clrMapOvr>
+  <mc:AlternateContent xmlns:mc="http://schemas.openxmlformats.org/markup-compatibility/2006" xmlns:p14="http://schemas.microsoft.com/office/powerpoint/2010/main">
+    <mc:Choice Requires="p14">
+      <p:transition p14:dur="0"/>
+    </mc:Choice>
+    <mc:Fallback xmlns="">
       <p:transition/>
     </mc:Fallback>
   </mc:AlternateContent>
@@ -29135,7 +28604,7 @@
             </a14:hiddenLine>
           </a:ext>
           <a:ext uri="{FAA26D3D-D897-4be2-8F04-BA451C77F1D7}">
-            <ma14:placeholderFlag xmlns="" xmlns:ma14="http://schemas.microsoft.com/office/mac/drawingml/2011/main" val="1"/>
+            <ma14:placeholderFlag xmlns:ma14="http://schemas.microsoft.com/office/mac/drawingml/2011/main" xmlns="" val="1"/>
           </a:ext>
         </a:extLst>
       </a:spPr>
@@ -29507,7 +28976,7 @@
             </a14:hiddenLine>
           </a:ext>
           <a:ext uri="{FAA26D3D-D897-4be2-8F04-BA451C77F1D7}">
-            <ma14:placeholderFlag xmlns="" xmlns:ma14="http://schemas.microsoft.com/office/mac/drawingml/2011/main" val="1"/>
+            <ma14:placeholderFlag xmlns:ma14="http://schemas.microsoft.com/office/mac/drawingml/2011/main" xmlns="" val="1"/>
           </a:ext>
         </a:extLst>
       </a:spPr>
@@ -29921,15 +29390,14 @@
 </file>
 
 <file path=customXml/item2.xml><?xml version="1.0" encoding="utf-8"?>
-<?mso-contentType ?>
-<FormTemplates xmlns="http://schemas.microsoft.com/sharepoint/v3/contenttype/forms">
-  <Display>DocumentLibraryForm</Display>
-  <Edit>DocumentLibraryForm</Edit>
-  <New>DocumentLibraryForm</New>
-</FormTemplates>
+<XMLData TextToDisplay="RightsWATCHMark">1|Company-Classification-PUBLIC|{00000000-0000-0000-0000-000000000000}</XMLData>
 </file>
 
 <file path=customXml/item3.xml><?xml version="1.0" encoding="utf-8"?>
+<XMLData TextToDisplay="RightsWATCHMark">1|Company-Classification-PUBLIC|{00000000-0000-0000-0000-000000000000}</XMLData>
+</file>
+
+<file path=customXml/item4.xml><?xml version="1.0" encoding="utf-8"?>
 <p:properties xmlns:p="http://schemas.microsoft.com/office/2006/metadata/properties" xmlns:xsi="http://www.w3.org/2001/XMLSchema-instance" xmlns:pc="http://schemas.microsoft.com/office/infopath/2007/PartnerControls">
   <documentManagement>
     <PublishingExpirationDate xmlns="http://schemas.microsoft.com/sharepoint/v3" xsi:nil="true"/>
@@ -29938,12 +29406,13 @@
 </p:properties>
 </file>
 
-<file path=customXml/item4.xml><?xml version="1.0" encoding="utf-8"?>
-<XMLData TextToDisplay="RightsWATCHMark">1|Company-Classification-PUBLIC|{00000000-0000-0000-0000-000000000000}</XMLData>
-</file>
-
 <file path=customXml/item5.xml><?xml version="1.0" encoding="utf-8"?>
-<XMLData TextToDisplay="RightsWATCHMark">1|Company-Classification-PUBLIC|{00000000-0000-0000-0000-000000000000}</XMLData>
+<?mso-contentType ?>
+<FormTemplates xmlns="http://schemas.microsoft.com/sharepoint/v3/contenttype/forms">
+  <Display>DocumentLibraryForm</Display>
+  <Edit>DocumentLibraryForm</Edit>
+  <New>DocumentLibraryForm</New>
+</FormTemplates>
 </file>
 
 <file path=customXml/itemProps1.xml><?xml version="1.0" encoding="utf-8"?>
@@ -29965,14 +29434,18 @@
 </file>
 
 <file path=customXml/itemProps2.xml><?xml version="1.0" encoding="utf-8"?>
-<ds:datastoreItem xmlns:ds="http://schemas.openxmlformats.org/officeDocument/2006/customXml" ds:itemID="{C79F586A-F348-4B18-A865-2115F3485501}">
-  <ds:schemaRefs>
-    <ds:schemaRef ds:uri="http://schemas.microsoft.com/sharepoint/v3/contenttype/forms"/>
-  </ds:schemaRefs>
+<ds:datastoreItem xmlns:ds="http://schemas.openxmlformats.org/officeDocument/2006/customXml" ds:itemID="{D40301D3-16B7-45C0-9C1F-52D3115211D7}">
+  <ds:schemaRefs/>
 </ds:datastoreItem>
 </file>
 
 <file path=customXml/itemProps3.xml><?xml version="1.0" encoding="utf-8"?>
+<ds:datastoreItem xmlns:ds="http://schemas.openxmlformats.org/officeDocument/2006/customXml" ds:itemID="{DC7AABAA-6D61-43AA-9E65-6080C187B1DB}">
+  <ds:schemaRefs/>
+</ds:datastoreItem>
+</file>
+
+<file path=customXml/itemProps4.xml><?xml version="1.0" encoding="utf-8"?>
 <ds:datastoreItem xmlns:ds="http://schemas.openxmlformats.org/officeDocument/2006/customXml" ds:itemID="{DEA36A1B-57E0-4140-8AE8-9C81FF70FED4}">
   <ds:schemaRefs>
     <ds:schemaRef ds:uri="http://purl.org/dc/elements/1.1/"/>
@@ -29988,14 +29461,10 @@
 </ds:datastoreItem>
 </file>
 
-<file path=customXml/itemProps4.xml><?xml version="1.0" encoding="utf-8"?>
-<ds:datastoreItem xmlns:ds="http://schemas.openxmlformats.org/officeDocument/2006/customXml" ds:itemID="{DC7AABAA-6D61-43AA-9E65-6080C187B1DB}">
-  <ds:schemaRefs/>
-</ds:datastoreItem>
-</file>
-
 <file path=customXml/itemProps5.xml><?xml version="1.0" encoding="utf-8"?>
-<ds:datastoreItem xmlns:ds="http://schemas.openxmlformats.org/officeDocument/2006/customXml" ds:itemID="{D40301D3-16B7-45C0-9C1F-52D3115211D7}">
-  <ds:schemaRefs/>
+<ds:datastoreItem xmlns:ds="http://schemas.openxmlformats.org/officeDocument/2006/customXml" ds:itemID="{C79F586A-F348-4B18-A865-2115F3485501}">
+  <ds:schemaRefs>
+    <ds:schemaRef ds:uri="http://schemas.microsoft.com/sharepoint/v3/contenttype/forms"/>
+  </ds:schemaRefs>
 </ds:datastoreItem>
 </file>